--- a/RQ/Esterni/presentazione/RP-Presentazione.pptx
+++ b/RQ/Esterni/presentazione/RP-Presentazione.pptx
@@ -115,7 +115,7 @@
   </p:defaultTextStyle>
   <p:extLst>
     <p:ext uri="{521415D9-36F7-43E2-AB2F-B90AF26B5E84}">
-      <p14:sectionLst xmlns:p14="http://schemas.microsoft.com/office/powerpoint/2010/main" xmlns="">
+      <p14:sectionLst xmlns="" xmlns:p14="http://schemas.microsoft.com/office/powerpoint/2010/main">
         <p14:section name="Presentazione" id="{34E9BEB9-075B-4CFE-8BA4-B412D906568B}">
           <p14:sldIdLst>
             <p14:sldId id="256"/>
@@ -434,7 +434,7 @@
     </p:spTree>
     <p:extLst>
       <p:ext uri="{BB962C8B-B14F-4D97-AF65-F5344CB8AC3E}">
-        <p14:creationId xmlns:p14="http://schemas.microsoft.com/office/powerpoint/2010/main" xmlns="" val="1382979574"/>
+        <p14:creationId xmlns="" xmlns:p14="http://schemas.microsoft.com/office/powerpoint/2010/main" val="1382979574"/>
       </p:ext>
     </p:extLst>
   </p:cSld>
@@ -609,7 +609,7 @@
     </p:spTree>
     <p:extLst>
       <p:ext uri="{BB962C8B-B14F-4D97-AF65-F5344CB8AC3E}">
-        <p14:creationId xmlns:p14="http://schemas.microsoft.com/office/powerpoint/2010/main" xmlns="" val="4174330178"/>
+        <p14:creationId xmlns="" xmlns:p14="http://schemas.microsoft.com/office/powerpoint/2010/main" val="4174330178"/>
       </p:ext>
     </p:extLst>
   </p:cSld>
@@ -14389,7 +14389,7 @@
           <a:blip r:embed="rId3" cstate="print">
             <a:extLst>
               <a:ext uri="{28A0092B-C50C-407E-A947-70E740481C1C}">
-                <a14:useLocalDpi xmlns:a14="http://schemas.microsoft.com/office/drawing/2010/main" xmlns="" val="0"/>
+                <a14:useLocalDpi xmlns="" xmlns:a14="http://schemas.microsoft.com/office/drawing/2010/main" val="0"/>
               </a:ext>
             </a:extLst>
           </a:blip>
@@ -14410,7 +14410,7 @@
     </p:spTree>
     <p:extLst>
       <p:ext uri="{BB962C8B-B14F-4D97-AF65-F5344CB8AC3E}">
-        <p14:creationId xmlns:p14="http://schemas.microsoft.com/office/powerpoint/2010/main" xmlns="" val="3567273252"/>
+        <p14:creationId xmlns="" xmlns:p14="http://schemas.microsoft.com/office/powerpoint/2010/main" val="3567273252"/>
       </p:ext>
     </p:extLst>
   </p:cSld>
@@ -14456,7 +14456,7 @@
           <a:blip r:embed="rId2" cstate="print">
             <a:extLst>
               <a:ext uri="{28A0092B-C50C-407E-A947-70E740481C1C}">
-                <a14:useLocalDpi xmlns:a14="http://schemas.microsoft.com/office/drawing/2010/main" xmlns="" val="0"/>
+                <a14:useLocalDpi xmlns="" xmlns:a14="http://schemas.microsoft.com/office/drawing/2010/main" val="0"/>
               </a:ext>
             </a:extLst>
           </a:blip>
@@ -14635,7 +14635,7 @@
     </p:spTree>
     <p:extLst>
       <p:ext uri="{BB962C8B-B14F-4D97-AF65-F5344CB8AC3E}">
-        <p14:creationId xmlns:p14="http://schemas.microsoft.com/office/powerpoint/2010/main" xmlns="" val="476818001"/>
+        <p14:creationId xmlns="" xmlns:p14="http://schemas.microsoft.com/office/powerpoint/2010/main" val="476818001"/>
       </p:ext>
     </p:extLst>
   </p:cSld>
@@ -14681,7 +14681,7 @@
           <a:blip r:embed="rId2" cstate="print">
             <a:extLst>
               <a:ext uri="{28A0092B-C50C-407E-A947-70E740481C1C}">
-                <a14:useLocalDpi xmlns:a14="http://schemas.microsoft.com/office/drawing/2010/main" xmlns="" val="0"/>
+                <a14:useLocalDpi xmlns="" xmlns:a14="http://schemas.microsoft.com/office/drawing/2010/main" val="0"/>
               </a:ext>
             </a:extLst>
           </a:blip>
@@ -14787,7 +14787,7 @@
     </p:spTree>
     <p:extLst>
       <p:ext uri="{BB962C8B-B14F-4D97-AF65-F5344CB8AC3E}">
-        <p14:creationId xmlns:p14="http://schemas.microsoft.com/office/powerpoint/2010/main" xmlns="" val="318276201"/>
+        <p14:creationId xmlns="" xmlns:p14="http://schemas.microsoft.com/office/powerpoint/2010/main" val="318276201"/>
       </p:ext>
     </p:extLst>
   </p:cSld>
@@ -14833,7 +14833,7 @@
           <a:blip r:embed="rId2" cstate="print">
             <a:extLst>
               <a:ext uri="{28A0092B-C50C-407E-A947-70E740481C1C}">
-                <a14:useLocalDpi xmlns:a14="http://schemas.microsoft.com/office/drawing/2010/main" xmlns="" val="0"/>
+                <a14:useLocalDpi xmlns="" xmlns:a14="http://schemas.microsoft.com/office/drawing/2010/main" val="0"/>
               </a:ext>
             </a:extLst>
           </a:blip>
@@ -14914,10 +14914,104 @@
           </a:p>
         </p:txBody>
       </p:sp>
+      <p:sp>
+        <p:nvSpPr>
+          <p:cNvPr id="5" name="CasellaDiTesto 4"/>
+          <p:cNvSpPr txBox="1"/>
+          <p:nvPr/>
+        </p:nvSpPr>
+        <p:spPr>
+          <a:xfrm>
+            <a:off x="1187624" y="2420888"/>
+            <a:ext cx="6912768" cy="2031325"/>
+          </a:xfrm>
+          <a:prstGeom prst="rect">
+            <a:avLst/>
+          </a:prstGeom>
+          <a:noFill/>
+        </p:spPr>
+        <p:txBody>
+          <a:bodyPr wrap="square" rtlCol="0">
+            <a:spAutoFit/>
+          </a:bodyPr>
+          <a:lstStyle/>
+          <a:p>
+            <a:pPr>
+              <a:buFont typeface="Arial" pitchFamily="34" charset="0"/>
+              <a:buChar char="•"/>
+            </a:pPr>
+            <a:r>
+              <a:rPr lang="it-IT" dirty="0" smtClean="0"/>
+              <a:t> </a:t>
+            </a:r>
+            <a:r>
+              <a:rPr lang="it-IT" dirty="0" smtClean="0"/>
+              <a:t>Concomitanza stretta di esami e impegni</a:t>
+            </a:r>
+          </a:p>
+          <a:p>
+            <a:pPr>
+              <a:buFont typeface="Arial" pitchFamily="34" charset="0"/>
+              <a:buChar char="•"/>
+            </a:pPr>
+            <a:endParaRPr lang="it-IT" dirty="0" smtClean="0"/>
+          </a:p>
+          <a:p>
+            <a:pPr>
+              <a:buFont typeface="Arial" pitchFamily="34" charset="0"/>
+              <a:buChar char="•"/>
+            </a:pPr>
+            <a:r>
+              <a:rPr lang="it-IT" dirty="0" smtClean="0"/>
+              <a:t> JSP, SQL</a:t>
+            </a:r>
+          </a:p>
+          <a:p>
+            <a:pPr>
+              <a:buFont typeface="Arial" pitchFamily="34" charset="0"/>
+              <a:buChar char="•"/>
+            </a:pPr>
+            <a:endParaRPr lang="it-IT" dirty="0" smtClean="0"/>
+          </a:p>
+          <a:p>
+            <a:pPr>
+              <a:buFont typeface="Arial" pitchFamily="34" charset="0"/>
+              <a:buChar char="•"/>
+            </a:pPr>
+            <a:r>
+              <a:rPr lang="it-IT" dirty="0" smtClean="0"/>
+              <a:t> </a:t>
+            </a:r>
+            <a:r>
+              <a:rPr lang="it-IT" dirty="0" smtClean="0"/>
+              <a:t>Log &amp; Porte </a:t>
+            </a:r>
+            <a:r>
+              <a:rPr lang="it-IT" dirty="0" err="1" smtClean="0"/>
+              <a:t>email</a:t>
+            </a:r>
+            <a:endParaRPr lang="it-IT" dirty="0" smtClean="0"/>
+          </a:p>
+          <a:p>
+            <a:pPr>
+              <a:buFont typeface="Arial" pitchFamily="34" charset="0"/>
+              <a:buChar char="•"/>
+            </a:pPr>
+            <a:endParaRPr lang="it-IT" dirty="0" smtClean="0"/>
+          </a:p>
+          <a:p>
+            <a:pPr>
+              <a:buFont typeface="Arial" pitchFamily="34" charset="0"/>
+              <a:buChar char="•"/>
+            </a:pPr>
+            <a:endParaRPr lang="it-IT" dirty="0" smtClean="0"/>
+          </a:p>
+        </p:txBody>
+      </p:sp>
     </p:spTree>
     <p:extLst>
       <p:ext uri="{BB962C8B-B14F-4D97-AF65-F5344CB8AC3E}">
-        <p14:creationId xmlns:p14="http://schemas.microsoft.com/office/powerpoint/2010/main" xmlns="" val="829312757"/>
+        <p14:creationId xmlns="" xmlns:p14="http://schemas.microsoft.com/office/powerpoint/2010/main" val="829312757"/>
       </p:ext>
     </p:extLst>
   </p:cSld>

--- a/RQ/Esterni/presentazione/RP-Presentazione.pptx
+++ b/RQ/Esterni/presentazione/RP-Presentazione.pptx
@@ -5,38 +5,18 @@
     <p:sldMasterId id="2147483732" r:id="rId1"/>
   </p:sldMasterIdLst>
   <p:notesMasterIdLst>
-    <p:notesMasterId r:id="rId26"/>
+    <p:notesMasterId r:id="rId6"/>
   </p:notesMasterIdLst>
   <p:sldIdLst>
     <p:sldId id="256" r:id="rId2"/>
     <p:sldId id="289" r:id="rId3"/>
     <p:sldId id="291" r:id="rId4"/>
     <p:sldId id="292" r:id="rId5"/>
-    <p:sldId id="296" r:id="rId6"/>
-    <p:sldId id="294" r:id="rId7"/>
-    <p:sldId id="295" r:id="rId8"/>
-    <p:sldId id="267" r:id="rId9"/>
-    <p:sldId id="258" r:id="rId10"/>
-    <p:sldId id="270" r:id="rId11"/>
-    <p:sldId id="275" r:id="rId12"/>
-    <p:sldId id="269" r:id="rId13"/>
-    <p:sldId id="274" r:id="rId14"/>
-    <p:sldId id="283" r:id="rId15"/>
-    <p:sldId id="284" r:id="rId16"/>
-    <p:sldId id="272" r:id="rId17"/>
-    <p:sldId id="276" r:id="rId18"/>
-    <p:sldId id="277" r:id="rId19"/>
-    <p:sldId id="280" r:id="rId20"/>
-    <p:sldId id="282" r:id="rId21"/>
-    <p:sldId id="285" r:id="rId22"/>
-    <p:sldId id="286" r:id="rId23"/>
-    <p:sldId id="287" r:id="rId24"/>
-    <p:sldId id="288" r:id="rId25"/>
   </p:sldIdLst>
   <p:sldSz cx="9144000" cy="6858000" type="screen4x3"/>
   <p:notesSz cx="6858000" cy="9144000"/>
   <p:custDataLst>
-    <p:tags r:id="rId27"/>
+    <p:tags r:id="rId7"/>
   </p:custDataLst>
   <p:defaultTextStyle>
     <a:defPPr>
@@ -135,7 +115,7 @@
   </p:defaultTextStyle>
   <p:extLst>
     <p:ext uri="{521415D9-36F7-43E2-AB2F-B90AF26B5E84}">
-      <p14:sectionLst xmlns:p14="http://schemas.microsoft.com/office/powerpoint/2010/main">
+      <p14:sectionLst xmlns="" xmlns:p14="http://schemas.microsoft.com/office/powerpoint/2010/main">
         <p14:section name="Presentazione" id="{34E9BEB9-075B-4CFE-8BA4-B412D906568B}">
           <p14:sldIdLst>
             <p14:sldId id="256"/>
@@ -200,516 +180,6 @@
     </p:ext>
   </p:extLst>
 </p:presentation>
-</file>
-
-<file path=ppt/charts/chart1.xml><?xml version="1.0" encoding="utf-8"?>
-<c:chartSpace xmlns:c="http://schemas.openxmlformats.org/drawingml/2006/chart" xmlns:a="http://schemas.openxmlformats.org/drawingml/2006/main" xmlns:r="http://schemas.openxmlformats.org/officeDocument/2006/relationships">
-  <c:date1904 val="0"/>
-  <c:lang val="it-IT"/>
-  <c:roundedCorners val="0"/>
-  <mc:AlternateContent xmlns:mc="http://schemas.openxmlformats.org/markup-compatibility/2006">
-    <mc:Choice xmlns:c14="http://schemas.microsoft.com/office/drawing/2007/8/2/chart" Requires="c14">
-      <c14:style val="105"/>
-    </mc:Choice>
-    <mc:Fallback>
-      <c:style val="5"/>
-    </mc:Fallback>
-  </mc:AlternateContent>
-  <c:chart>
-    <c:autoTitleDeleted val="0"/>
-    <c:view3D>
-      <c:rotX val="15"/>
-      <c:rotY val="20"/>
-      <c:rAngAx val="1"/>
-    </c:view3D>
-    <c:floor>
-      <c:thickness val="0"/>
-    </c:floor>
-    <c:sideWall>
-      <c:thickness val="0"/>
-    </c:sideWall>
-    <c:backWall>
-      <c:thickness val="0"/>
-    </c:backWall>
-    <c:plotArea>
-      <c:layout/>
-      <c:bar3DChart>
-        <c:barDir val="bar"/>
-        <c:grouping val="clustered"/>
-        <c:varyColors val="0"/>
-        <c:ser>
-          <c:idx val="0"/>
-          <c:order val="0"/>
-          <c:tx>
-            <c:v>Preventivo</c:v>
-          </c:tx>
-          <c:invertIfNegative val="0"/>
-          <c:dLbls>
-            <c:showLegendKey val="0"/>
-            <c:showVal val="1"/>
-            <c:showCatName val="0"/>
-            <c:showSerName val="0"/>
-            <c:showPercent val="0"/>
-            <c:showBubbleSize val="0"/>
-            <c:showLeaderLines val="0"/>
-          </c:dLbls>
-          <c:cat>
-            <c:strRef>
-              <c:f>'2_PA'!$O$2:$O$6</c:f>
-              <c:strCache>
-                <c:ptCount val="5"/>
-                <c:pt idx="0">
-                  <c:v>Responsabile</c:v>
-                </c:pt>
-                <c:pt idx="1">
-                  <c:v>Amministratore</c:v>
-                </c:pt>
-                <c:pt idx="2">
-                  <c:v>Analista</c:v>
-                </c:pt>
-                <c:pt idx="3">
-                  <c:v>Verificatore</c:v>
-                </c:pt>
-                <c:pt idx="4">
-                  <c:v>Progettista</c:v>
-                </c:pt>
-              </c:strCache>
-            </c:strRef>
-          </c:cat>
-          <c:val>
-            <c:numRef>
-              <c:f>'2_PA'!$P$25:$P$29</c:f>
-              <c:numCache>
-                <c:formatCode>General</c:formatCode>
-                <c:ptCount val="5"/>
-                <c:pt idx="0">
-                  <c:v>17</c:v>
-                </c:pt>
-                <c:pt idx="1">
-                  <c:v>19</c:v>
-                </c:pt>
-                <c:pt idx="2">
-                  <c:v>30</c:v>
-                </c:pt>
-                <c:pt idx="3">
-                  <c:v>31</c:v>
-                </c:pt>
-                <c:pt idx="4">
-                  <c:v>96</c:v>
-                </c:pt>
-              </c:numCache>
-            </c:numRef>
-          </c:val>
-        </c:ser>
-        <c:ser>
-          <c:idx val="1"/>
-          <c:order val="1"/>
-          <c:tx>
-            <c:v>Consuntivo</c:v>
-          </c:tx>
-          <c:invertIfNegative val="0"/>
-          <c:dLbls>
-            <c:showLegendKey val="0"/>
-            <c:showVal val="1"/>
-            <c:showCatName val="0"/>
-            <c:showSerName val="0"/>
-            <c:showPercent val="0"/>
-            <c:showBubbleSize val="0"/>
-            <c:showLeaderLines val="0"/>
-          </c:dLbls>
-          <c:cat>
-            <c:strRef>
-              <c:f>'2_PA'!$O$2:$O$6</c:f>
-              <c:strCache>
-                <c:ptCount val="5"/>
-                <c:pt idx="0">
-                  <c:v>Responsabile</c:v>
-                </c:pt>
-                <c:pt idx="1">
-                  <c:v>Amministratore</c:v>
-                </c:pt>
-                <c:pt idx="2">
-                  <c:v>Analista</c:v>
-                </c:pt>
-                <c:pt idx="3">
-                  <c:v>Verificatore</c:v>
-                </c:pt>
-                <c:pt idx="4">
-                  <c:v>Progettista</c:v>
-                </c:pt>
-              </c:strCache>
-            </c:strRef>
-          </c:cat>
-          <c:val>
-            <c:numRef>
-              <c:f>'2_PA'!$P$2:$P$6</c:f>
-              <c:numCache>
-                <c:formatCode>General</c:formatCode>
-                <c:ptCount val="5"/>
-                <c:pt idx="0">
-                  <c:v>17</c:v>
-                </c:pt>
-                <c:pt idx="1">
-                  <c:v>19</c:v>
-                </c:pt>
-                <c:pt idx="2">
-                  <c:v>20</c:v>
-                </c:pt>
-                <c:pt idx="3">
-                  <c:v>31</c:v>
-                </c:pt>
-                <c:pt idx="4">
-                  <c:v>106</c:v>
-                </c:pt>
-              </c:numCache>
-            </c:numRef>
-          </c:val>
-        </c:ser>
-        <c:dLbls>
-          <c:showLegendKey val="0"/>
-          <c:showVal val="0"/>
-          <c:showCatName val="0"/>
-          <c:showSerName val="0"/>
-          <c:showPercent val="0"/>
-          <c:showBubbleSize val="0"/>
-        </c:dLbls>
-        <c:gapWidth val="150"/>
-        <c:shape val="box"/>
-        <c:axId val="74119040"/>
-        <c:axId val="74120576"/>
-        <c:axId val="0"/>
-      </c:bar3DChart>
-      <c:catAx>
-        <c:axId val="74119040"/>
-        <c:scaling>
-          <c:orientation val="minMax"/>
-        </c:scaling>
-        <c:delete val="0"/>
-        <c:axPos val="l"/>
-        <c:majorTickMark val="out"/>
-        <c:minorTickMark val="none"/>
-        <c:tickLblPos val="nextTo"/>
-        <c:crossAx val="74120576"/>
-        <c:crosses val="autoZero"/>
-        <c:auto val="1"/>
-        <c:lblAlgn val="ctr"/>
-        <c:lblOffset val="100"/>
-        <c:noMultiLvlLbl val="0"/>
-      </c:catAx>
-      <c:valAx>
-        <c:axId val="74120576"/>
-        <c:scaling>
-          <c:orientation val="minMax"/>
-        </c:scaling>
-        <c:delete val="0"/>
-        <c:axPos val="b"/>
-        <c:majorGridlines/>
-        <c:numFmt formatCode="General" sourceLinked="1"/>
-        <c:majorTickMark val="out"/>
-        <c:minorTickMark val="none"/>
-        <c:tickLblPos val="nextTo"/>
-        <c:crossAx val="74119040"/>
-        <c:crosses val="autoZero"/>
-        <c:crossBetween val="between"/>
-      </c:valAx>
-    </c:plotArea>
-    <c:legend>
-      <c:legendPos val="r"/>
-      <c:layout/>
-      <c:overlay val="0"/>
-    </c:legend>
-    <c:plotVisOnly val="1"/>
-    <c:dispBlanksAs val="gap"/>
-    <c:showDLblsOverMax val="0"/>
-  </c:chart>
-  <c:spPr>
-    <a:gradFill>
-      <a:gsLst>
-        <a:gs pos="0">
-          <a:schemeClr val="accent4"/>
-        </a:gs>
-        <a:gs pos="50000">
-          <a:schemeClr val="accent1">
-            <a:tint val="44500"/>
-            <a:satMod val="160000"/>
-          </a:schemeClr>
-        </a:gs>
-        <a:gs pos="100000">
-          <a:schemeClr val="accent1">
-            <a:tint val="23500"/>
-            <a:satMod val="160000"/>
-          </a:schemeClr>
-        </a:gs>
-      </a:gsLst>
-      <a:lin ang="5400000" scaled="0"/>
-    </a:gradFill>
-  </c:spPr>
-  <c:externalData r:id="rId1">
-    <c:autoUpdate val="0"/>
-  </c:externalData>
-</c:chartSpace>
-</file>
-
-<file path=ppt/charts/chart2.xml><?xml version="1.0" encoding="utf-8"?>
-<c:chartSpace xmlns:c="http://schemas.openxmlformats.org/drawingml/2006/chart" xmlns:a="http://schemas.openxmlformats.org/drawingml/2006/main" xmlns:r="http://schemas.openxmlformats.org/officeDocument/2006/relationships">
-  <c:date1904 val="0"/>
-  <c:lang val="it-IT"/>
-  <c:roundedCorners val="0"/>
-  <mc:AlternateContent xmlns:mc="http://schemas.openxmlformats.org/markup-compatibility/2006">
-    <mc:Choice xmlns:c14="http://schemas.microsoft.com/office/drawing/2007/8/2/chart" Requires="c14">
-      <c14:style val="102"/>
-    </mc:Choice>
-    <mc:Fallback>
-      <c:style val="2"/>
-    </mc:Fallback>
-  </mc:AlternateContent>
-  <c:chart>
-    <c:autoTitleDeleted val="0"/>
-    <c:view3D>
-      <c:rotX val="15"/>
-      <c:rotY val="20"/>
-      <c:rAngAx val="1"/>
-    </c:view3D>
-    <c:floor>
-      <c:thickness val="0"/>
-    </c:floor>
-    <c:sideWall>
-      <c:thickness val="0"/>
-    </c:sideWall>
-    <c:backWall>
-      <c:thickness val="0"/>
-    </c:backWall>
-    <c:plotArea>
-      <c:layout/>
-      <c:bar3DChart>
-        <c:barDir val="bar"/>
-        <c:grouping val="clustered"/>
-        <c:varyColors val="0"/>
-        <c:ser>
-          <c:idx val="0"/>
-          <c:order val="0"/>
-          <c:tx>
-            <c:v>Preventivo</c:v>
-          </c:tx>
-          <c:spPr>
-            <a:scene3d>
-              <a:camera prst="orthographicFront"/>
-              <a:lightRig rig="threePt" dir="t"/>
-            </a:scene3d>
-            <a:sp3d/>
-          </c:spPr>
-          <c:invertIfNegative val="0"/>
-          <c:dLbls>
-            <c:dLbl>
-              <c:idx val="0"/>
-              <c:layout>
-                <c:manualLayout>
-                  <c:x val="3.85807826908122E-2"/>
-                  <c:y val="-5.0391226371672988E-2"/>
-                </c:manualLayout>
-              </c:layout>
-              <c:showLegendKey val="0"/>
-              <c:showVal val="1"/>
-              <c:showCatName val="0"/>
-              <c:showSerName val="0"/>
-              <c:showPercent val="0"/>
-              <c:showBubbleSize val="0"/>
-            </c:dLbl>
-            <c:txPr>
-              <a:bodyPr/>
-              <a:lstStyle/>
-              <a:p>
-                <a:pPr>
-                  <a:defRPr u="none"/>
-                </a:pPr>
-                <a:endParaRPr lang="it-IT"/>
-              </a:p>
-            </c:txPr>
-            <c:showLegendKey val="0"/>
-            <c:showVal val="1"/>
-            <c:showCatName val="0"/>
-            <c:showSerName val="0"/>
-            <c:showPercent val="0"/>
-            <c:showBubbleSize val="0"/>
-            <c:showLeaderLines val="0"/>
-          </c:dLbls>
-          <c:cat>
-            <c:strLit>
-              <c:ptCount val="1"/>
-              <c:pt idx="0">
-                <c:v>Costo</c:v>
-              </c:pt>
-            </c:strLit>
-          </c:cat>
-          <c:val>
-            <c:numRef>
-              <c:f>'2_PA'!$Q$30</c:f>
-              <c:numCache>
-                <c:formatCode>"€"\ #,##0.00</c:formatCode>
-                <c:ptCount val="1"/>
-                <c:pt idx="0">
-                  <c:v>4217</c:v>
-                </c:pt>
-              </c:numCache>
-            </c:numRef>
-          </c:val>
-        </c:ser>
-        <c:ser>
-          <c:idx val="1"/>
-          <c:order val="1"/>
-          <c:tx>
-            <c:v>Consuntivo</c:v>
-          </c:tx>
-          <c:invertIfNegative val="0"/>
-          <c:dLbls>
-            <c:dLbl>
-              <c:idx val="0"/>
-              <c:layout>
-                <c:manualLayout>
-                  <c:x val="4.4092323075213866E-2"/>
-                  <c:y val="-1.8896709889377371E-2"/>
-                </c:manualLayout>
-              </c:layout>
-              <c:showLegendKey val="0"/>
-              <c:showVal val="1"/>
-              <c:showCatName val="0"/>
-              <c:showSerName val="0"/>
-              <c:showPercent val="0"/>
-              <c:showBubbleSize val="0"/>
-            </c:dLbl>
-            <c:txPr>
-              <a:bodyPr/>
-              <a:lstStyle/>
-              <a:p>
-                <a:pPr>
-                  <a:defRPr u="none"/>
-                </a:pPr>
-                <a:endParaRPr lang="it-IT"/>
-              </a:p>
-            </c:txPr>
-            <c:showLegendKey val="0"/>
-            <c:showVal val="1"/>
-            <c:showCatName val="0"/>
-            <c:showSerName val="0"/>
-            <c:showPercent val="0"/>
-            <c:showBubbleSize val="0"/>
-            <c:showLeaderLines val="0"/>
-          </c:dLbls>
-          <c:cat>
-            <c:strLit>
-              <c:ptCount val="1"/>
-              <c:pt idx="0">
-                <c:v>Costo</c:v>
-              </c:pt>
-            </c:strLit>
-          </c:cat>
-          <c:val>
-            <c:numRef>
-              <c:f>'2_PA'!$Q$7</c:f>
-              <c:numCache>
-                <c:formatCode>"€"\ #,##0.00</c:formatCode>
-                <c:ptCount val="1"/>
-                <c:pt idx="0">
-                  <c:v>4187</c:v>
-                </c:pt>
-              </c:numCache>
-            </c:numRef>
-          </c:val>
-        </c:ser>
-        <c:dLbls>
-          <c:showLegendKey val="0"/>
-          <c:showVal val="0"/>
-          <c:showCatName val="0"/>
-          <c:showSerName val="0"/>
-          <c:showPercent val="0"/>
-          <c:showBubbleSize val="0"/>
-        </c:dLbls>
-        <c:gapWidth val="150"/>
-        <c:shape val="box"/>
-        <c:axId val="74582272"/>
-        <c:axId val="74588160"/>
-        <c:axId val="0"/>
-      </c:bar3DChart>
-      <c:catAx>
-        <c:axId val="74582272"/>
-        <c:scaling>
-          <c:orientation val="minMax"/>
-        </c:scaling>
-        <c:delete val="0"/>
-        <c:axPos val="l"/>
-        <c:majorTickMark val="out"/>
-        <c:minorTickMark val="none"/>
-        <c:tickLblPos val="nextTo"/>
-        <c:crossAx val="74588160"/>
-        <c:crosses val="autoZero"/>
-        <c:auto val="1"/>
-        <c:lblAlgn val="ctr"/>
-        <c:lblOffset val="100"/>
-        <c:noMultiLvlLbl val="0"/>
-      </c:catAx>
-      <c:valAx>
-        <c:axId val="74588160"/>
-        <c:scaling>
-          <c:orientation val="minMax"/>
-        </c:scaling>
-        <c:delete val="0"/>
-        <c:axPos val="b"/>
-        <c:majorGridlines/>
-        <c:numFmt formatCode="&quot;€&quot;\ #,##0.00" sourceLinked="1"/>
-        <c:majorTickMark val="out"/>
-        <c:minorTickMark val="none"/>
-        <c:tickLblPos val="nextTo"/>
-        <c:crossAx val="74582272"/>
-        <c:crosses val="autoZero"/>
-        <c:crossBetween val="between"/>
-        <c:majorUnit val="100"/>
-      </c:valAx>
-    </c:plotArea>
-    <c:legend>
-      <c:legendPos val="r"/>
-      <c:layout/>
-      <c:overlay val="0"/>
-    </c:legend>
-    <c:plotVisOnly val="1"/>
-    <c:dispBlanksAs val="gap"/>
-    <c:showDLblsOverMax val="0"/>
-  </c:chart>
-  <c:spPr>
-    <a:gradFill>
-      <a:gsLst>
-        <a:gs pos="0">
-          <a:schemeClr val="accent4"/>
-        </a:gs>
-        <a:gs pos="50000">
-          <a:schemeClr val="accent1">
-            <a:tint val="44500"/>
-            <a:satMod val="160000"/>
-          </a:schemeClr>
-        </a:gs>
-        <a:gs pos="100000">
-          <a:schemeClr val="accent1">
-            <a:tint val="23500"/>
-            <a:satMod val="160000"/>
-          </a:schemeClr>
-        </a:gs>
-      </a:gsLst>
-      <a:lin ang="5400000" scaled="0"/>
-    </a:gradFill>
-  </c:spPr>
-  <c:txPr>
-    <a:bodyPr/>
-    <a:lstStyle/>
-    <a:p>
-      <a:pPr>
-        <a:defRPr u="sng"/>
-      </a:pPr>
-      <a:endParaRPr lang="it-IT"/>
-    </a:p>
-  </c:txPr>
-  <c:externalData r:id="rId1">
-    <c:autoUpdate val="0"/>
-  </c:externalData>
-</c:chartSpace>
 </file>
 
 <file path=ppt/notesMasters/notesMaster1.xml><?xml version="1.0" encoding="utf-8"?>
@@ -795,7 +265,7 @@
             <a:fld id="{6B71E980-16C9-4DBF-B0BF-5D16F9726465}" type="datetimeFigureOut">
               <a:rPr lang="it-IT" smtClean="0"/>
               <a:pPr/>
-              <a:t>07/02/2012</a:t>
+              <a:t>18/06/2012</a:t>
             </a:fld>
             <a:endParaRPr lang="it-IT"/>
           </a:p>
@@ -964,7 +434,7 @@
     </p:spTree>
     <p:extLst>
       <p:ext uri="{BB962C8B-B14F-4D97-AF65-F5344CB8AC3E}">
-        <p14:creationId xmlns:p14="http://schemas.microsoft.com/office/powerpoint/2010/main" val="1382979574"/>
+        <p14:creationId xmlns="" xmlns:p14="http://schemas.microsoft.com/office/powerpoint/2010/main" val="1382979574"/>
       </p:ext>
     </p:extLst>
   </p:cSld>
@@ -1139,7 +609,7 @@
     </p:spTree>
     <p:extLst>
       <p:ext uri="{BB962C8B-B14F-4D97-AF65-F5344CB8AC3E}">
-        <p14:creationId xmlns:p14="http://schemas.microsoft.com/office/powerpoint/2010/main" val="4174330178"/>
+        <p14:creationId xmlns="" xmlns:p14="http://schemas.microsoft.com/office/powerpoint/2010/main" val="4174330178"/>
       </p:ext>
     </p:extLst>
   </p:cSld>
@@ -14801,7 +14271,7 @@
         </p:spPr>
         <p:txBody>
           <a:bodyPr>
-            <a:normAutofit fontScale="90000"/>
+            <a:normAutofit/>
           </a:bodyPr>
           <a:lstStyle/>
           <a:p>
@@ -14893,7 +14363,15 @@
           <a:p>
             <a:r>
               <a:rPr lang="it-IT" sz="2800" dirty="0" smtClean="0"/>
-              <a:t>A.A. 2011/2012 – 2012/02/07</a:t>
+              <a:t>A.A. 2011/2012 – </a:t>
+            </a:r>
+            <a:r>
+              <a:rPr lang="it-IT" sz="2800" dirty="0" err="1" smtClean="0"/>
+              <a:t>2012</a:t>
+            </a:r>
+            <a:r>
+              <a:rPr lang="it-IT" sz="2800" dirty="0" smtClean="0"/>
+              <a:t>/06/21</a:t>
             </a:r>
             <a:endParaRPr lang="it-IT" sz="2800" dirty="0"/>
           </a:p>
@@ -14911,7 +14389,7 @@
           <a:blip r:embed="rId3" cstate="print">
             <a:extLst>
               <a:ext uri="{28A0092B-C50C-407E-A947-70E740481C1C}">
-                <a14:useLocalDpi xmlns:a14="http://schemas.microsoft.com/office/drawing/2010/main" val="0"/>
+                <a14:useLocalDpi xmlns="" xmlns:a14="http://schemas.microsoft.com/office/drawing/2010/main" val="0"/>
               </a:ext>
             </a:extLst>
           </a:blip>
@@ -14932,1553 +14410,7 @@
     </p:spTree>
     <p:extLst>
       <p:ext uri="{BB962C8B-B14F-4D97-AF65-F5344CB8AC3E}">
-        <p14:creationId xmlns:p14="http://schemas.microsoft.com/office/powerpoint/2010/main" val="3567273252"/>
-      </p:ext>
-    </p:extLst>
-  </p:cSld>
-  <p:clrMapOvr>
-    <a:masterClrMapping/>
-  </p:clrMapOvr>
-  <p:timing>
-    <p:tnLst>
-      <p:par>
-        <p:cTn id="1" dur="indefinite" restart="never" nodeType="tmRoot"/>
-      </p:par>
-    </p:tnLst>
-  </p:timing>
-</p:sld>
-</file>
-
-<file path=ppt/slides/slide10.xml><?xml version="1.0" encoding="utf-8"?>
-<p:sld xmlns:a="http://schemas.openxmlformats.org/drawingml/2006/main" xmlns:r="http://schemas.openxmlformats.org/officeDocument/2006/relationships" xmlns:p="http://schemas.openxmlformats.org/presentationml/2006/main">
-  <p:cSld>
-    <p:spTree>
-      <p:nvGrpSpPr>
-        <p:cNvPr id="1" name=""/>
-        <p:cNvGrpSpPr/>
-        <p:nvPr/>
-      </p:nvGrpSpPr>
-      <p:grpSpPr>
-        <a:xfrm>
-          <a:off x="0" y="0"/>
-          <a:ext cx="0" cy="0"/>
-          <a:chOff x="0" y="0"/>
-          <a:chExt cx="0" cy="0"/>
-        </a:xfrm>
-      </p:grpSpPr>
-      <p:pic>
-        <p:nvPicPr>
-          <p:cNvPr id="3" name="Immagine 2"/>
-          <p:cNvPicPr>
-            <a:picLocks noChangeAspect="1"/>
-          </p:cNvPicPr>
-          <p:nvPr/>
-        </p:nvPicPr>
-        <p:blipFill>
-          <a:blip r:embed="rId2" cstate="print">
-            <a:extLst>
-              <a:ext uri="{28A0092B-C50C-407E-A947-70E740481C1C}">
-                <a14:useLocalDpi xmlns:a14="http://schemas.microsoft.com/office/drawing/2010/main" val="0"/>
-              </a:ext>
-            </a:extLst>
-          </a:blip>
-          <a:stretch>
-            <a:fillRect/>
-          </a:stretch>
-        </p:blipFill>
-        <p:spPr>
-          <a:xfrm>
-            <a:off x="2750630" y="1268760"/>
-            <a:ext cx="3765586" cy="4581128"/>
-          </a:xfrm>
-          <a:prstGeom prst="rect">
-            <a:avLst/>
-          </a:prstGeom>
-        </p:spPr>
-      </p:pic>
-      <p:sp>
-        <p:nvSpPr>
-          <p:cNvPr id="2" name="Titolo 1"/>
-          <p:cNvSpPr>
-            <a:spLocks noGrp="1"/>
-          </p:cNvSpPr>
-          <p:nvPr>
-            <p:ph type="title"/>
-          </p:nvPr>
-        </p:nvSpPr>
-        <p:spPr>
-          <a:xfrm>
-            <a:off x="1043608" y="2996952"/>
-            <a:ext cx="7024744" cy="1143000"/>
-          </a:xfrm>
-        </p:spPr>
-        <p:txBody>
-          <a:bodyPr/>
-          <a:lstStyle/>
-          <a:p>
-            <a:pPr algn="ctr"/>
-            <a:r>
-              <a:rPr lang="it-IT" dirty="0"/>
-              <a:t>4</a:t>
-            </a:r>
-            <a:r>
-              <a:rPr lang="it-IT" dirty="0" smtClean="0"/>
-              <a:t>. </a:t>
-            </a:r>
-            <a:r>
-              <a:rPr lang="it-IT" dirty="0" err="1" smtClean="0"/>
-              <a:t>Front-End</a:t>
-            </a:r>
-            <a:r>
-              <a:rPr lang="it-IT" dirty="0" smtClean="0"/>
-              <a:t> Mobile</a:t>
-            </a:r>
-            <a:endParaRPr lang="it-IT" dirty="0"/>
-          </a:p>
-        </p:txBody>
-      </p:sp>
-      <p:sp>
-        <p:nvSpPr>
-          <p:cNvPr id="4" name="Segnaposto data 3"/>
-          <p:cNvSpPr>
-            <a:spLocks noGrp="1"/>
-          </p:cNvSpPr>
-          <p:nvPr>
-            <p:ph type="dt" sz="half" idx="10"/>
-          </p:nvPr>
-        </p:nvSpPr>
-        <p:spPr/>
-        <p:txBody>
-          <a:bodyPr/>
-          <a:lstStyle/>
-          <a:p>
-            <a:r>
-              <a:rPr lang="it-IT" smtClean="0"/>
-              <a:t>Progetto Gamification - Team Committed</a:t>
-            </a:r>
-            <a:endParaRPr lang="it-IT"/>
-          </a:p>
-        </p:txBody>
-      </p:sp>
-      <p:sp>
-        <p:nvSpPr>
-          <p:cNvPr id="7" name="Segnaposto numero diapositiva 6"/>
-          <p:cNvSpPr>
-            <a:spLocks noGrp="1"/>
-          </p:cNvSpPr>
-          <p:nvPr>
-            <p:ph type="sldNum" sz="quarter" idx="12"/>
-          </p:nvPr>
-        </p:nvSpPr>
-        <p:spPr/>
-        <p:txBody>
-          <a:bodyPr/>
-          <a:lstStyle/>
-          <a:p>
-            <a:fld id="{017EC607-BD11-4D4E-AC5F-155C854A0B9D}" type="slidenum">
-              <a:rPr lang="it-IT" smtClean="0"/>
-              <a:pPr/>
-              <a:t>10</a:t>
-            </a:fld>
-            <a:r>
-              <a:rPr lang="it-IT" dirty="0" smtClean="0"/>
-              <a:t> di 24</a:t>
-            </a:r>
-          </a:p>
-        </p:txBody>
-      </p:sp>
-    </p:spTree>
-    <p:extLst>
-      <p:ext uri="{BB962C8B-B14F-4D97-AF65-F5344CB8AC3E}">
-        <p14:creationId xmlns:p14="http://schemas.microsoft.com/office/powerpoint/2010/main" val="2537002"/>
-      </p:ext>
-    </p:extLst>
-  </p:cSld>
-  <p:clrMapOvr>
-    <a:masterClrMapping/>
-  </p:clrMapOvr>
-  <p:timing>
-    <p:tnLst>
-      <p:par>
-        <p:cTn id="1" dur="indefinite" restart="never" nodeType="tmRoot"/>
-      </p:par>
-    </p:tnLst>
-  </p:timing>
-</p:sld>
-</file>
-
-<file path=ppt/slides/slide11.xml><?xml version="1.0" encoding="utf-8"?>
-<p:sld xmlns:a="http://schemas.openxmlformats.org/drawingml/2006/main" xmlns:r="http://schemas.openxmlformats.org/officeDocument/2006/relationships" xmlns:p="http://schemas.openxmlformats.org/presentationml/2006/main">
-  <p:cSld>
-    <p:spTree>
-      <p:nvGrpSpPr>
-        <p:cNvPr id="1" name=""/>
-        <p:cNvGrpSpPr/>
-        <p:nvPr/>
-      </p:nvGrpSpPr>
-      <p:grpSpPr>
-        <a:xfrm>
-          <a:off x="0" y="0"/>
-          <a:ext cx="0" cy="0"/>
-          <a:chOff x="0" y="0"/>
-          <a:chExt cx="0" cy="0"/>
-        </a:xfrm>
-      </p:grpSpPr>
-      <p:sp>
-        <p:nvSpPr>
-          <p:cNvPr id="6" name="Segnaposto data 5"/>
-          <p:cNvSpPr>
-            <a:spLocks noGrp="1"/>
-          </p:cNvSpPr>
-          <p:nvPr>
-            <p:ph type="dt" sz="half" idx="10"/>
-          </p:nvPr>
-        </p:nvSpPr>
-        <p:spPr/>
-        <p:txBody>
-          <a:bodyPr/>
-          <a:lstStyle/>
-          <a:p>
-            <a:r>
-              <a:rPr lang="it-IT" dirty="0" smtClean="0"/>
-              <a:t>Progetto </a:t>
-            </a:r>
-            <a:r>
-              <a:rPr lang="it-IT" dirty="0" err="1" smtClean="0"/>
-              <a:t>Gamification</a:t>
-            </a:r>
-            <a:r>
-              <a:rPr lang="it-IT" dirty="0" smtClean="0"/>
-              <a:t> - Team </a:t>
-            </a:r>
-            <a:r>
-              <a:rPr lang="it-IT" dirty="0" err="1" smtClean="0"/>
-              <a:t>Committed</a:t>
-            </a:r>
-            <a:endParaRPr lang="it-IT" dirty="0"/>
-          </a:p>
-        </p:txBody>
-      </p:sp>
-      <p:sp>
-        <p:nvSpPr>
-          <p:cNvPr id="9" name="Segnaposto numero diapositiva 8"/>
-          <p:cNvSpPr>
-            <a:spLocks noGrp="1"/>
-          </p:cNvSpPr>
-          <p:nvPr>
-            <p:ph type="sldNum" sz="quarter" idx="12"/>
-          </p:nvPr>
-        </p:nvSpPr>
-        <p:spPr/>
-        <p:txBody>
-          <a:bodyPr/>
-          <a:lstStyle/>
-          <a:p>
-            <a:fld id="{017EC607-BD11-4D4E-AC5F-155C854A0B9D}" type="slidenum">
-              <a:rPr lang="it-IT" smtClean="0"/>
-              <a:pPr/>
-              <a:t>11</a:t>
-            </a:fld>
-            <a:r>
-              <a:rPr lang="it-IT" dirty="0" smtClean="0"/>
-              <a:t> di 24</a:t>
-            </a:r>
-            <a:endParaRPr lang="it-IT" dirty="0"/>
-          </a:p>
-        </p:txBody>
-      </p:sp>
-      <p:pic>
-        <p:nvPicPr>
-          <p:cNvPr id="5" name="Immagine 4" descr="frontEndMobile.png"/>
-          <p:cNvPicPr>
-            <a:picLocks noChangeAspect="1"/>
-          </p:cNvPicPr>
-          <p:nvPr/>
-        </p:nvPicPr>
-        <p:blipFill>
-          <a:blip r:embed="rId2" cstate="print"/>
-          <a:stretch>
-            <a:fillRect/>
-          </a:stretch>
-        </p:blipFill>
-        <p:spPr>
-          <a:xfrm>
-            <a:off x="2411760" y="692696"/>
-            <a:ext cx="4328268" cy="5797109"/>
-          </a:xfrm>
-          <a:prstGeom prst="rect">
-            <a:avLst/>
-          </a:prstGeom>
-        </p:spPr>
-      </p:pic>
-    </p:spTree>
-    <p:extLst>
-      <p:ext uri="{BB962C8B-B14F-4D97-AF65-F5344CB8AC3E}">
-        <p14:creationId xmlns:p14="http://schemas.microsoft.com/office/powerpoint/2010/main" val="200703652"/>
-      </p:ext>
-    </p:extLst>
-  </p:cSld>
-  <p:clrMapOvr>
-    <a:masterClrMapping/>
-  </p:clrMapOvr>
-  <p:timing>
-    <p:tnLst>
-      <p:par>
-        <p:cTn id="1" dur="indefinite" restart="never" nodeType="tmRoot"/>
-      </p:par>
-    </p:tnLst>
-  </p:timing>
-</p:sld>
-</file>
-
-<file path=ppt/slides/slide12.xml><?xml version="1.0" encoding="utf-8"?>
-<p:sld xmlns:a="http://schemas.openxmlformats.org/drawingml/2006/main" xmlns:r="http://schemas.openxmlformats.org/officeDocument/2006/relationships" xmlns:p="http://schemas.openxmlformats.org/presentationml/2006/main">
-  <p:cSld>
-    <p:spTree>
-      <p:nvGrpSpPr>
-        <p:cNvPr id="1" name=""/>
-        <p:cNvGrpSpPr/>
-        <p:nvPr/>
-      </p:nvGrpSpPr>
-      <p:grpSpPr>
-        <a:xfrm>
-          <a:off x="0" y="0"/>
-          <a:ext cx="0" cy="0"/>
-          <a:chOff x="0" y="0"/>
-          <a:chExt cx="0" cy="0"/>
-        </a:xfrm>
-      </p:grpSpPr>
-      <p:pic>
-        <p:nvPicPr>
-          <p:cNvPr id="3" name="Immagine 2"/>
-          <p:cNvPicPr>
-            <a:picLocks noChangeAspect="1"/>
-          </p:cNvPicPr>
-          <p:nvPr/>
-        </p:nvPicPr>
-        <p:blipFill>
-          <a:blip r:embed="rId2" cstate="print">
-            <a:extLst>
-              <a:ext uri="{28A0092B-C50C-407E-A947-70E740481C1C}">
-                <a14:useLocalDpi xmlns:a14="http://schemas.microsoft.com/office/drawing/2010/main" val="0"/>
-              </a:ext>
-            </a:extLst>
-          </a:blip>
-          <a:stretch>
-            <a:fillRect/>
-          </a:stretch>
-        </p:blipFill>
-        <p:spPr>
-          <a:xfrm>
-            <a:off x="2750630" y="1268760"/>
-            <a:ext cx="3765586" cy="4581128"/>
-          </a:xfrm>
-          <a:prstGeom prst="rect">
-            <a:avLst/>
-          </a:prstGeom>
-        </p:spPr>
-      </p:pic>
-      <p:sp>
-        <p:nvSpPr>
-          <p:cNvPr id="2" name="Titolo 1"/>
-          <p:cNvSpPr>
-            <a:spLocks noGrp="1"/>
-          </p:cNvSpPr>
-          <p:nvPr>
-            <p:ph type="title"/>
-          </p:nvPr>
-        </p:nvSpPr>
-        <p:spPr>
-          <a:xfrm>
-            <a:off x="1043608" y="2996952"/>
-            <a:ext cx="7024744" cy="1143000"/>
-          </a:xfrm>
-        </p:spPr>
-        <p:txBody>
-          <a:bodyPr/>
-          <a:lstStyle/>
-          <a:p>
-            <a:pPr algn="ctr"/>
-            <a:r>
-              <a:rPr lang="it-IT" dirty="0"/>
-              <a:t>5</a:t>
-            </a:r>
-            <a:r>
-              <a:rPr lang="it-IT" dirty="0" smtClean="0"/>
-              <a:t>. </a:t>
-            </a:r>
-            <a:r>
-              <a:rPr lang="it-IT" dirty="0" err="1" smtClean="0"/>
-              <a:t>Back-End</a:t>
-            </a:r>
-            <a:endParaRPr lang="it-IT" dirty="0"/>
-          </a:p>
-        </p:txBody>
-      </p:sp>
-      <p:sp>
-        <p:nvSpPr>
-          <p:cNvPr id="4" name="Segnaposto data 3"/>
-          <p:cNvSpPr>
-            <a:spLocks noGrp="1"/>
-          </p:cNvSpPr>
-          <p:nvPr>
-            <p:ph type="dt" sz="half" idx="10"/>
-          </p:nvPr>
-        </p:nvSpPr>
-        <p:spPr/>
-        <p:txBody>
-          <a:bodyPr/>
-          <a:lstStyle/>
-          <a:p>
-            <a:r>
-              <a:rPr lang="it-IT" smtClean="0"/>
-              <a:t>Progetto Gamification - Team Committed</a:t>
-            </a:r>
-            <a:endParaRPr lang="it-IT"/>
-          </a:p>
-        </p:txBody>
-      </p:sp>
-      <p:sp>
-        <p:nvSpPr>
-          <p:cNvPr id="7" name="Segnaposto numero diapositiva 6"/>
-          <p:cNvSpPr>
-            <a:spLocks noGrp="1"/>
-          </p:cNvSpPr>
-          <p:nvPr>
-            <p:ph type="sldNum" sz="quarter" idx="12"/>
-          </p:nvPr>
-        </p:nvSpPr>
-        <p:spPr/>
-        <p:txBody>
-          <a:bodyPr/>
-          <a:lstStyle/>
-          <a:p>
-            <a:fld id="{017EC607-BD11-4D4E-AC5F-155C854A0B9D}" type="slidenum">
-              <a:rPr lang="it-IT" smtClean="0"/>
-              <a:pPr/>
-              <a:t>12</a:t>
-            </a:fld>
-            <a:r>
-              <a:rPr lang="it-IT" dirty="0" smtClean="0"/>
-              <a:t> di 24</a:t>
-            </a:r>
-          </a:p>
-        </p:txBody>
-      </p:sp>
-    </p:spTree>
-    <p:extLst>
-      <p:ext uri="{BB962C8B-B14F-4D97-AF65-F5344CB8AC3E}">
-        <p14:creationId xmlns:p14="http://schemas.microsoft.com/office/powerpoint/2010/main" val="2537002"/>
-      </p:ext>
-    </p:extLst>
-  </p:cSld>
-  <p:clrMapOvr>
-    <a:masterClrMapping/>
-  </p:clrMapOvr>
-  <p:timing>
-    <p:tnLst>
-      <p:par>
-        <p:cTn id="1" dur="indefinite" restart="never" nodeType="tmRoot"/>
-      </p:par>
-    </p:tnLst>
-  </p:timing>
-</p:sld>
-</file>
-
-<file path=ppt/slides/slide13.xml><?xml version="1.0" encoding="utf-8"?>
-<p:sld xmlns:a="http://schemas.openxmlformats.org/drawingml/2006/main" xmlns:r="http://schemas.openxmlformats.org/officeDocument/2006/relationships" xmlns:p="http://schemas.openxmlformats.org/presentationml/2006/main">
-  <p:cSld>
-    <p:spTree>
-      <p:nvGrpSpPr>
-        <p:cNvPr id="1" name=""/>
-        <p:cNvGrpSpPr/>
-        <p:nvPr/>
-      </p:nvGrpSpPr>
-      <p:grpSpPr>
-        <a:xfrm>
-          <a:off x="0" y="0"/>
-          <a:ext cx="0" cy="0"/>
-          <a:chOff x="0" y="0"/>
-          <a:chExt cx="0" cy="0"/>
-        </a:xfrm>
-      </p:grpSpPr>
-      <p:sp>
-        <p:nvSpPr>
-          <p:cNvPr id="6" name="Segnaposto data 5"/>
-          <p:cNvSpPr>
-            <a:spLocks noGrp="1"/>
-          </p:cNvSpPr>
-          <p:nvPr>
-            <p:ph type="dt" sz="half" idx="10"/>
-          </p:nvPr>
-        </p:nvSpPr>
-        <p:spPr/>
-        <p:txBody>
-          <a:bodyPr/>
-          <a:lstStyle/>
-          <a:p>
-            <a:r>
-              <a:rPr lang="it-IT" dirty="0" smtClean="0"/>
-              <a:t>Progetto </a:t>
-            </a:r>
-            <a:r>
-              <a:rPr lang="it-IT" dirty="0" err="1" smtClean="0"/>
-              <a:t>Gamification</a:t>
-            </a:r>
-            <a:r>
-              <a:rPr lang="it-IT" dirty="0" smtClean="0"/>
-              <a:t> - Team </a:t>
-            </a:r>
-            <a:r>
-              <a:rPr lang="it-IT" dirty="0" err="1" smtClean="0"/>
-              <a:t>Committed</a:t>
-            </a:r>
-            <a:endParaRPr lang="it-IT" dirty="0"/>
-          </a:p>
-        </p:txBody>
-      </p:sp>
-      <p:sp>
-        <p:nvSpPr>
-          <p:cNvPr id="9" name="Segnaposto numero diapositiva 8"/>
-          <p:cNvSpPr>
-            <a:spLocks noGrp="1"/>
-          </p:cNvSpPr>
-          <p:nvPr>
-            <p:ph type="sldNum" sz="quarter" idx="12"/>
-          </p:nvPr>
-        </p:nvSpPr>
-        <p:spPr/>
-        <p:txBody>
-          <a:bodyPr/>
-          <a:lstStyle/>
-          <a:p>
-            <a:fld id="{017EC607-BD11-4D4E-AC5F-155C854A0B9D}" type="slidenum">
-              <a:rPr lang="it-IT" smtClean="0"/>
-              <a:pPr/>
-              <a:t>13</a:t>
-            </a:fld>
-            <a:r>
-              <a:rPr lang="it-IT" dirty="0" smtClean="0"/>
-              <a:t> di 24</a:t>
-            </a:r>
-            <a:endParaRPr lang="it-IT" dirty="0"/>
-          </a:p>
-        </p:txBody>
-      </p:sp>
-      <p:pic>
-        <p:nvPicPr>
-          <p:cNvPr id="5" name="Immagine 4" descr="BackEnd.png"/>
-          <p:cNvPicPr>
-            <a:picLocks noChangeAspect="1"/>
-          </p:cNvPicPr>
-          <p:nvPr/>
-        </p:nvPicPr>
-        <p:blipFill>
-          <a:blip r:embed="rId2" cstate="print"/>
-          <a:stretch>
-            <a:fillRect/>
-          </a:stretch>
-        </p:blipFill>
-        <p:spPr>
-          <a:xfrm>
-            <a:off x="2339752" y="692696"/>
-            <a:ext cx="4418852" cy="5776071"/>
-          </a:xfrm>
-          <a:prstGeom prst="rect">
-            <a:avLst/>
-          </a:prstGeom>
-        </p:spPr>
-      </p:pic>
-    </p:spTree>
-    <p:extLst>
-      <p:ext uri="{BB962C8B-B14F-4D97-AF65-F5344CB8AC3E}">
-        <p14:creationId xmlns:p14="http://schemas.microsoft.com/office/powerpoint/2010/main" val="200703652"/>
-      </p:ext>
-    </p:extLst>
-  </p:cSld>
-  <p:clrMapOvr>
-    <a:masterClrMapping/>
-  </p:clrMapOvr>
-  <p:timing>
-    <p:tnLst>
-      <p:par>
-        <p:cTn id="1" dur="indefinite" restart="never" nodeType="tmRoot"/>
-      </p:par>
-    </p:tnLst>
-  </p:timing>
-</p:sld>
-</file>
-
-<file path=ppt/slides/slide14.xml><?xml version="1.0" encoding="utf-8"?>
-<p:sld xmlns:a="http://schemas.openxmlformats.org/drawingml/2006/main" xmlns:r="http://schemas.openxmlformats.org/officeDocument/2006/relationships" xmlns:p="http://schemas.openxmlformats.org/presentationml/2006/main">
-  <p:cSld>
-    <p:spTree>
-      <p:nvGrpSpPr>
-        <p:cNvPr id="1" name=""/>
-        <p:cNvGrpSpPr/>
-        <p:nvPr/>
-      </p:nvGrpSpPr>
-      <p:grpSpPr>
-        <a:xfrm>
-          <a:off x="0" y="0"/>
-          <a:ext cx="0" cy="0"/>
-          <a:chOff x="0" y="0"/>
-          <a:chExt cx="0" cy="0"/>
-        </a:xfrm>
-      </p:grpSpPr>
-      <p:pic>
-        <p:nvPicPr>
-          <p:cNvPr id="3" name="Immagine 2"/>
-          <p:cNvPicPr>
-            <a:picLocks noChangeAspect="1"/>
-          </p:cNvPicPr>
-          <p:nvPr/>
-        </p:nvPicPr>
-        <p:blipFill>
-          <a:blip r:embed="rId2" cstate="print">
-            <a:extLst>
-              <a:ext uri="{28A0092B-C50C-407E-A947-70E740481C1C}">
-                <a14:useLocalDpi xmlns:a14="http://schemas.microsoft.com/office/drawing/2010/main" val="0"/>
-              </a:ext>
-            </a:extLst>
-          </a:blip>
-          <a:stretch>
-            <a:fillRect/>
-          </a:stretch>
-        </p:blipFill>
-        <p:spPr>
-          <a:xfrm>
-            <a:off x="2750630" y="1268760"/>
-            <a:ext cx="3765586" cy="4581128"/>
-          </a:xfrm>
-          <a:prstGeom prst="rect">
-            <a:avLst/>
-          </a:prstGeom>
-        </p:spPr>
-      </p:pic>
-      <p:sp>
-        <p:nvSpPr>
-          <p:cNvPr id="2" name="Titolo 1"/>
-          <p:cNvSpPr>
-            <a:spLocks noGrp="1"/>
-          </p:cNvSpPr>
-          <p:nvPr>
-            <p:ph type="title"/>
-          </p:nvPr>
-        </p:nvSpPr>
-        <p:spPr>
-          <a:xfrm>
-            <a:off x="1043608" y="2996952"/>
-            <a:ext cx="7024744" cy="1143000"/>
-          </a:xfrm>
-        </p:spPr>
-        <p:txBody>
-          <a:bodyPr/>
-          <a:lstStyle/>
-          <a:p>
-            <a:pPr algn="ctr"/>
-            <a:r>
-              <a:rPr lang="it-IT" dirty="0" smtClean="0"/>
-              <a:t>6. Diagrammi delle Attività</a:t>
-            </a:r>
-            <a:endParaRPr lang="it-IT" dirty="0"/>
-          </a:p>
-        </p:txBody>
-      </p:sp>
-      <p:sp>
-        <p:nvSpPr>
-          <p:cNvPr id="4" name="Segnaposto data 3"/>
-          <p:cNvSpPr>
-            <a:spLocks noGrp="1"/>
-          </p:cNvSpPr>
-          <p:nvPr>
-            <p:ph type="dt" sz="half" idx="10"/>
-          </p:nvPr>
-        </p:nvSpPr>
-        <p:spPr/>
-        <p:txBody>
-          <a:bodyPr/>
-          <a:lstStyle/>
-          <a:p>
-            <a:r>
-              <a:rPr lang="it-IT" smtClean="0"/>
-              <a:t>Progetto Gamification - Team Committed</a:t>
-            </a:r>
-            <a:endParaRPr lang="it-IT"/>
-          </a:p>
-        </p:txBody>
-      </p:sp>
-      <p:sp>
-        <p:nvSpPr>
-          <p:cNvPr id="7" name="Segnaposto numero diapositiva 6"/>
-          <p:cNvSpPr>
-            <a:spLocks noGrp="1"/>
-          </p:cNvSpPr>
-          <p:nvPr>
-            <p:ph type="sldNum" sz="quarter" idx="12"/>
-          </p:nvPr>
-        </p:nvSpPr>
-        <p:spPr/>
-        <p:txBody>
-          <a:bodyPr/>
-          <a:lstStyle/>
-          <a:p>
-            <a:fld id="{017EC607-BD11-4D4E-AC5F-155C854A0B9D}" type="slidenum">
-              <a:rPr lang="it-IT" smtClean="0"/>
-              <a:pPr/>
-              <a:t>14</a:t>
-            </a:fld>
-            <a:r>
-              <a:rPr lang="it-IT" dirty="0" smtClean="0"/>
-              <a:t> di 24</a:t>
-            </a:r>
-          </a:p>
-        </p:txBody>
-      </p:sp>
-    </p:spTree>
-    <p:extLst>
-      <p:ext uri="{BB962C8B-B14F-4D97-AF65-F5344CB8AC3E}">
-        <p14:creationId xmlns:p14="http://schemas.microsoft.com/office/powerpoint/2010/main" val="2537002"/>
-      </p:ext>
-    </p:extLst>
-  </p:cSld>
-  <p:clrMapOvr>
-    <a:masterClrMapping/>
-  </p:clrMapOvr>
-  <p:timing>
-    <p:tnLst>
-      <p:par>
-        <p:cTn id="1" dur="indefinite" restart="never" nodeType="tmRoot"/>
-      </p:par>
-    </p:tnLst>
-  </p:timing>
-</p:sld>
-</file>
-
-<file path=ppt/slides/slide15.xml><?xml version="1.0" encoding="utf-8"?>
-<p:sld xmlns:a="http://schemas.openxmlformats.org/drawingml/2006/main" xmlns:r="http://schemas.openxmlformats.org/officeDocument/2006/relationships" xmlns:p="http://schemas.openxmlformats.org/presentationml/2006/main">
-  <p:cSld>
-    <p:spTree>
-      <p:nvGrpSpPr>
-        <p:cNvPr id="1" name=""/>
-        <p:cNvGrpSpPr/>
-        <p:nvPr/>
-      </p:nvGrpSpPr>
-      <p:grpSpPr>
-        <a:xfrm>
-          <a:off x="0" y="0"/>
-          <a:ext cx="0" cy="0"/>
-          <a:chOff x="0" y="0"/>
-          <a:chExt cx="0" cy="0"/>
-        </a:xfrm>
-      </p:grpSpPr>
-      <p:sp>
-        <p:nvSpPr>
-          <p:cNvPr id="6" name="Segnaposto data 5"/>
-          <p:cNvSpPr>
-            <a:spLocks noGrp="1"/>
-          </p:cNvSpPr>
-          <p:nvPr>
-            <p:ph type="dt" sz="half" idx="10"/>
-          </p:nvPr>
-        </p:nvSpPr>
-        <p:spPr/>
-        <p:txBody>
-          <a:bodyPr/>
-          <a:lstStyle/>
-          <a:p>
-            <a:r>
-              <a:rPr lang="it-IT" dirty="0" smtClean="0"/>
-              <a:t>Progetto </a:t>
-            </a:r>
-            <a:r>
-              <a:rPr lang="it-IT" dirty="0" err="1" smtClean="0"/>
-              <a:t>Gamification</a:t>
-            </a:r>
-            <a:r>
-              <a:rPr lang="it-IT" dirty="0" smtClean="0"/>
-              <a:t> - Team </a:t>
-            </a:r>
-            <a:r>
-              <a:rPr lang="it-IT" dirty="0" err="1" smtClean="0"/>
-              <a:t>Committed</a:t>
-            </a:r>
-            <a:endParaRPr lang="it-IT" dirty="0"/>
-          </a:p>
-        </p:txBody>
-      </p:sp>
-      <p:sp>
-        <p:nvSpPr>
-          <p:cNvPr id="9" name="Segnaposto numero diapositiva 8"/>
-          <p:cNvSpPr>
-            <a:spLocks noGrp="1"/>
-          </p:cNvSpPr>
-          <p:nvPr>
-            <p:ph type="sldNum" sz="quarter" idx="12"/>
-          </p:nvPr>
-        </p:nvSpPr>
-        <p:spPr/>
-        <p:txBody>
-          <a:bodyPr/>
-          <a:lstStyle/>
-          <a:p>
-            <a:fld id="{017EC607-BD11-4D4E-AC5F-155C854A0B9D}" type="slidenum">
-              <a:rPr lang="it-IT" smtClean="0"/>
-              <a:pPr/>
-              <a:t>15</a:t>
-            </a:fld>
-            <a:r>
-              <a:rPr lang="it-IT" dirty="0" smtClean="0"/>
-              <a:t> di 24</a:t>
-            </a:r>
-            <a:endParaRPr lang="it-IT" dirty="0"/>
-          </a:p>
-        </p:txBody>
-      </p:sp>
-      <p:pic>
-        <p:nvPicPr>
-          <p:cNvPr id="2" name="Immagine 1"/>
-          <p:cNvPicPr>
-            <a:picLocks noChangeAspect="1"/>
-          </p:cNvPicPr>
-          <p:nvPr/>
-        </p:nvPicPr>
-        <p:blipFill>
-          <a:blip r:embed="rId2">
-            <a:extLst>
-              <a:ext uri="{28A0092B-C50C-407E-A947-70E740481C1C}">
-                <a14:useLocalDpi xmlns:a14="http://schemas.microsoft.com/office/drawing/2010/main" val="0"/>
-              </a:ext>
-            </a:extLst>
-          </a:blip>
-          <a:stretch>
-            <a:fillRect/>
-          </a:stretch>
-        </p:blipFill>
-        <p:spPr>
-          <a:xfrm>
-            <a:off x="899592" y="1718072"/>
-            <a:ext cx="7488832" cy="2971759"/>
-          </a:xfrm>
-          <a:prstGeom prst="rect">
-            <a:avLst/>
-          </a:prstGeom>
-        </p:spPr>
-      </p:pic>
-    </p:spTree>
-    <p:extLst>
-      <p:ext uri="{BB962C8B-B14F-4D97-AF65-F5344CB8AC3E}">
-        <p14:creationId xmlns:p14="http://schemas.microsoft.com/office/powerpoint/2010/main" val="200703652"/>
-      </p:ext>
-    </p:extLst>
-  </p:cSld>
-  <p:clrMapOvr>
-    <a:masterClrMapping/>
-  </p:clrMapOvr>
-  <p:timing>
-    <p:tnLst>
-      <p:par>
-        <p:cTn id="1" dur="indefinite" restart="never" nodeType="tmRoot"/>
-      </p:par>
-    </p:tnLst>
-  </p:timing>
-</p:sld>
-</file>
-
-<file path=ppt/slides/slide16.xml><?xml version="1.0" encoding="utf-8"?>
-<p:sld xmlns:a="http://schemas.openxmlformats.org/drawingml/2006/main" xmlns:r="http://schemas.openxmlformats.org/officeDocument/2006/relationships" xmlns:p="http://schemas.openxmlformats.org/presentationml/2006/main">
-  <p:cSld>
-    <p:spTree>
-      <p:nvGrpSpPr>
-        <p:cNvPr id="1" name=""/>
-        <p:cNvGrpSpPr/>
-        <p:nvPr/>
-      </p:nvGrpSpPr>
-      <p:grpSpPr>
-        <a:xfrm>
-          <a:off x="0" y="0"/>
-          <a:ext cx="0" cy="0"/>
-          <a:chOff x="0" y="0"/>
-          <a:chExt cx="0" cy="0"/>
-        </a:xfrm>
-      </p:grpSpPr>
-      <p:pic>
-        <p:nvPicPr>
-          <p:cNvPr id="3" name="Immagine 2"/>
-          <p:cNvPicPr>
-            <a:picLocks noChangeAspect="1"/>
-          </p:cNvPicPr>
-          <p:nvPr/>
-        </p:nvPicPr>
-        <p:blipFill>
-          <a:blip r:embed="rId2" cstate="print">
-            <a:extLst>
-              <a:ext uri="{28A0092B-C50C-407E-A947-70E740481C1C}">
-                <a14:useLocalDpi xmlns:a14="http://schemas.microsoft.com/office/drawing/2010/main" val="0"/>
-              </a:ext>
-            </a:extLst>
-          </a:blip>
-          <a:stretch>
-            <a:fillRect/>
-          </a:stretch>
-        </p:blipFill>
-        <p:spPr>
-          <a:xfrm>
-            <a:off x="2750630" y="1268760"/>
-            <a:ext cx="3765586" cy="4581128"/>
-          </a:xfrm>
-          <a:prstGeom prst="rect">
-            <a:avLst/>
-          </a:prstGeom>
-        </p:spPr>
-      </p:pic>
-      <p:sp>
-        <p:nvSpPr>
-          <p:cNvPr id="2" name="Titolo 1"/>
-          <p:cNvSpPr>
-            <a:spLocks noGrp="1"/>
-          </p:cNvSpPr>
-          <p:nvPr>
-            <p:ph type="title"/>
-          </p:nvPr>
-        </p:nvSpPr>
-        <p:spPr>
-          <a:xfrm>
-            <a:off x="1043608" y="2996952"/>
-            <a:ext cx="7024744" cy="1143000"/>
-          </a:xfrm>
-        </p:spPr>
-        <p:txBody>
-          <a:bodyPr/>
-          <a:lstStyle/>
-          <a:p>
-            <a:pPr algn="ctr"/>
-            <a:r>
-              <a:rPr lang="it-IT" dirty="0" smtClean="0"/>
-              <a:t>7. Prototipi di Interfaccia</a:t>
-            </a:r>
-            <a:endParaRPr lang="it-IT" dirty="0"/>
-          </a:p>
-        </p:txBody>
-      </p:sp>
-      <p:sp>
-        <p:nvSpPr>
-          <p:cNvPr id="4" name="Segnaposto data 3"/>
-          <p:cNvSpPr>
-            <a:spLocks noGrp="1"/>
-          </p:cNvSpPr>
-          <p:nvPr>
-            <p:ph type="dt" sz="half" idx="10"/>
-          </p:nvPr>
-        </p:nvSpPr>
-        <p:spPr/>
-        <p:txBody>
-          <a:bodyPr/>
-          <a:lstStyle/>
-          <a:p>
-            <a:r>
-              <a:rPr lang="it-IT" smtClean="0"/>
-              <a:t>Progetto Gamification - Team Committed</a:t>
-            </a:r>
-            <a:endParaRPr lang="it-IT"/>
-          </a:p>
-        </p:txBody>
-      </p:sp>
-      <p:sp>
-        <p:nvSpPr>
-          <p:cNvPr id="7" name="Segnaposto numero diapositiva 6"/>
-          <p:cNvSpPr>
-            <a:spLocks noGrp="1"/>
-          </p:cNvSpPr>
-          <p:nvPr>
-            <p:ph type="sldNum" sz="quarter" idx="12"/>
-          </p:nvPr>
-        </p:nvSpPr>
-        <p:spPr/>
-        <p:txBody>
-          <a:bodyPr/>
-          <a:lstStyle/>
-          <a:p>
-            <a:fld id="{017EC607-BD11-4D4E-AC5F-155C854A0B9D}" type="slidenum">
-              <a:rPr lang="it-IT" smtClean="0"/>
-              <a:pPr/>
-              <a:t>16</a:t>
-            </a:fld>
-            <a:r>
-              <a:rPr lang="it-IT" dirty="0" smtClean="0"/>
-              <a:t> di 24</a:t>
-            </a:r>
-          </a:p>
-        </p:txBody>
-      </p:sp>
-    </p:spTree>
-    <p:extLst>
-      <p:ext uri="{BB962C8B-B14F-4D97-AF65-F5344CB8AC3E}">
-        <p14:creationId xmlns:p14="http://schemas.microsoft.com/office/powerpoint/2010/main" val="2537002"/>
-      </p:ext>
-    </p:extLst>
-  </p:cSld>
-  <p:clrMapOvr>
-    <a:masterClrMapping/>
-  </p:clrMapOvr>
-  <p:timing>
-    <p:tnLst>
-      <p:par>
-        <p:cTn id="1" dur="indefinite" restart="never" nodeType="tmRoot"/>
-      </p:par>
-    </p:tnLst>
-  </p:timing>
-</p:sld>
-</file>
-
-<file path=ppt/slides/slide17.xml><?xml version="1.0" encoding="utf-8"?>
-<p:sld xmlns:a="http://schemas.openxmlformats.org/drawingml/2006/main" xmlns:r="http://schemas.openxmlformats.org/officeDocument/2006/relationships" xmlns:p="http://schemas.openxmlformats.org/presentationml/2006/main">
-  <p:cSld>
-    <p:spTree>
-      <p:nvGrpSpPr>
-        <p:cNvPr id="1" name=""/>
-        <p:cNvGrpSpPr/>
-        <p:nvPr/>
-      </p:nvGrpSpPr>
-      <p:grpSpPr>
-        <a:xfrm>
-          <a:off x="0" y="0"/>
-          <a:ext cx="0" cy="0"/>
-          <a:chOff x="0" y="0"/>
-          <a:chExt cx="0" cy="0"/>
-        </a:xfrm>
-      </p:grpSpPr>
-      <p:pic>
-        <p:nvPicPr>
-          <p:cNvPr id="8" name="Immagine 7"/>
-          <p:cNvPicPr>
-            <a:picLocks noChangeAspect="1"/>
-          </p:cNvPicPr>
-          <p:nvPr/>
-        </p:nvPicPr>
-        <p:blipFill>
-          <a:blip r:embed="rId2" cstate="print">
-            <a:extLst>
-              <a:ext uri="{28A0092B-C50C-407E-A947-70E740481C1C}">
-                <a14:useLocalDpi xmlns:a14="http://schemas.microsoft.com/office/drawing/2010/main" val="0"/>
-              </a:ext>
-            </a:extLst>
-          </a:blip>
-          <a:stretch>
-            <a:fillRect/>
-          </a:stretch>
-        </p:blipFill>
-        <p:spPr>
-          <a:xfrm>
-            <a:off x="2750630" y="1268760"/>
-            <a:ext cx="3765586" cy="4581128"/>
-          </a:xfrm>
-          <a:prstGeom prst="rect">
-            <a:avLst/>
-          </a:prstGeom>
-        </p:spPr>
-      </p:pic>
-      <p:sp>
-        <p:nvSpPr>
-          <p:cNvPr id="6" name="Segnaposto data 5"/>
-          <p:cNvSpPr>
-            <a:spLocks noGrp="1"/>
-          </p:cNvSpPr>
-          <p:nvPr>
-            <p:ph type="dt" sz="half" idx="10"/>
-          </p:nvPr>
-        </p:nvSpPr>
-        <p:spPr/>
-        <p:txBody>
-          <a:bodyPr/>
-          <a:lstStyle/>
-          <a:p>
-            <a:r>
-              <a:rPr lang="it-IT" dirty="0" smtClean="0"/>
-              <a:t>Progetto </a:t>
-            </a:r>
-            <a:r>
-              <a:rPr lang="it-IT" dirty="0" err="1" smtClean="0"/>
-              <a:t>Gamification</a:t>
-            </a:r>
-            <a:r>
-              <a:rPr lang="it-IT" dirty="0" smtClean="0"/>
-              <a:t> - Team </a:t>
-            </a:r>
-            <a:r>
-              <a:rPr lang="it-IT" dirty="0" err="1" smtClean="0"/>
-              <a:t>Committed</a:t>
-            </a:r>
-            <a:endParaRPr lang="it-IT" dirty="0"/>
-          </a:p>
-        </p:txBody>
-      </p:sp>
-      <p:sp>
-        <p:nvSpPr>
-          <p:cNvPr id="9" name="Segnaposto numero diapositiva 8"/>
-          <p:cNvSpPr>
-            <a:spLocks noGrp="1"/>
-          </p:cNvSpPr>
-          <p:nvPr>
-            <p:ph type="sldNum" sz="quarter" idx="12"/>
-          </p:nvPr>
-        </p:nvSpPr>
-        <p:spPr/>
-        <p:txBody>
-          <a:bodyPr/>
-          <a:lstStyle/>
-          <a:p>
-            <a:fld id="{017EC607-BD11-4D4E-AC5F-155C854A0B9D}" type="slidenum">
-              <a:rPr lang="it-IT" smtClean="0"/>
-              <a:pPr/>
-              <a:t>17</a:t>
-            </a:fld>
-            <a:r>
-              <a:rPr lang="it-IT" dirty="0" smtClean="0"/>
-              <a:t> di 24</a:t>
-            </a:r>
-            <a:endParaRPr lang="it-IT" dirty="0"/>
-          </a:p>
-        </p:txBody>
-      </p:sp>
-      <p:pic>
-        <p:nvPicPr>
-          <p:cNvPr id="7" name="Immagine 6" descr="Gui-Desk-Login.jpg"/>
-          <p:cNvPicPr>
-            <a:picLocks noChangeAspect="1"/>
-          </p:cNvPicPr>
-          <p:nvPr/>
-        </p:nvPicPr>
-        <p:blipFill>
-          <a:blip r:embed="rId3" cstate="print"/>
-          <a:stretch>
-            <a:fillRect/>
-          </a:stretch>
-        </p:blipFill>
-        <p:spPr>
-          <a:xfrm>
-            <a:off x="611560" y="2204864"/>
-            <a:ext cx="3774492" cy="2376264"/>
-          </a:xfrm>
-          <a:prstGeom prst="rect">
-            <a:avLst/>
-          </a:prstGeom>
-        </p:spPr>
-      </p:pic>
-      <p:pic>
-        <p:nvPicPr>
-          <p:cNvPr id="5" name="Immagine 4" descr="Gui-Desk-Login.jpg"/>
-          <p:cNvPicPr>
-            <a:picLocks noChangeAspect="1"/>
-          </p:cNvPicPr>
-          <p:nvPr/>
-        </p:nvPicPr>
-        <p:blipFill>
-          <a:blip r:embed="rId4" cstate="print"/>
-          <a:stretch>
-            <a:fillRect/>
-          </a:stretch>
-        </p:blipFill>
-        <p:spPr>
-          <a:xfrm>
-            <a:off x="4757947" y="2204864"/>
-            <a:ext cx="3774493" cy="2376264"/>
-          </a:xfrm>
-          <a:prstGeom prst="rect">
-            <a:avLst/>
-          </a:prstGeom>
-        </p:spPr>
-      </p:pic>
-    </p:spTree>
-    <p:extLst>
-      <p:ext uri="{BB962C8B-B14F-4D97-AF65-F5344CB8AC3E}">
-        <p14:creationId xmlns:p14="http://schemas.microsoft.com/office/powerpoint/2010/main" val="200703652"/>
-      </p:ext>
-    </p:extLst>
-  </p:cSld>
-  <p:clrMapOvr>
-    <a:masterClrMapping/>
-  </p:clrMapOvr>
-  <p:timing>
-    <p:tnLst>
-      <p:par>
-        <p:cTn id="1" dur="indefinite" restart="never" nodeType="tmRoot"/>
-      </p:par>
-    </p:tnLst>
-  </p:timing>
-</p:sld>
-</file>
-
-<file path=ppt/slides/slide18.xml><?xml version="1.0" encoding="utf-8"?>
-<p:sld xmlns:a="http://schemas.openxmlformats.org/drawingml/2006/main" xmlns:r="http://schemas.openxmlformats.org/officeDocument/2006/relationships" xmlns:p="http://schemas.openxmlformats.org/presentationml/2006/main">
-  <p:cSld>
-    <p:spTree>
-      <p:nvGrpSpPr>
-        <p:cNvPr id="1" name=""/>
-        <p:cNvGrpSpPr/>
-        <p:nvPr/>
-      </p:nvGrpSpPr>
-      <p:grpSpPr>
-        <a:xfrm>
-          <a:off x="0" y="0"/>
-          <a:ext cx="0" cy="0"/>
-          <a:chOff x="0" y="0"/>
-          <a:chExt cx="0" cy="0"/>
-        </a:xfrm>
-      </p:grpSpPr>
-      <p:pic>
-        <p:nvPicPr>
-          <p:cNvPr id="14" name="Immagine 13"/>
-          <p:cNvPicPr>
-            <a:picLocks noChangeAspect="1"/>
-          </p:cNvPicPr>
-          <p:nvPr/>
-        </p:nvPicPr>
-        <p:blipFill>
-          <a:blip r:embed="rId2" cstate="print">
-            <a:extLst>
-              <a:ext uri="{28A0092B-C50C-407E-A947-70E740481C1C}">
-                <a14:useLocalDpi xmlns:a14="http://schemas.microsoft.com/office/drawing/2010/main" val="0"/>
-              </a:ext>
-            </a:extLst>
-          </a:blip>
-          <a:stretch>
-            <a:fillRect/>
-          </a:stretch>
-        </p:blipFill>
-        <p:spPr>
-          <a:xfrm>
-            <a:off x="2750630" y="1268760"/>
-            <a:ext cx="3765586" cy="4581128"/>
-          </a:xfrm>
-          <a:prstGeom prst="rect">
-            <a:avLst/>
-          </a:prstGeom>
-        </p:spPr>
-      </p:pic>
-      <p:sp>
-        <p:nvSpPr>
-          <p:cNvPr id="6" name="Segnaposto data 5"/>
-          <p:cNvSpPr>
-            <a:spLocks noGrp="1"/>
-          </p:cNvSpPr>
-          <p:nvPr>
-            <p:ph type="dt" sz="half" idx="10"/>
-          </p:nvPr>
-        </p:nvSpPr>
-        <p:spPr/>
-        <p:txBody>
-          <a:bodyPr/>
-          <a:lstStyle/>
-          <a:p>
-            <a:r>
-              <a:rPr lang="it-IT" dirty="0" smtClean="0"/>
-              <a:t>Progetto </a:t>
-            </a:r>
-            <a:r>
-              <a:rPr lang="it-IT" dirty="0" err="1" smtClean="0"/>
-              <a:t>Gamification</a:t>
-            </a:r>
-            <a:r>
-              <a:rPr lang="it-IT" dirty="0" smtClean="0"/>
-              <a:t> - Team </a:t>
-            </a:r>
-            <a:r>
-              <a:rPr lang="it-IT" dirty="0" err="1" smtClean="0"/>
-              <a:t>Committed</a:t>
-            </a:r>
-            <a:endParaRPr lang="it-IT" dirty="0"/>
-          </a:p>
-        </p:txBody>
-      </p:sp>
-      <p:sp>
-        <p:nvSpPr>
-          <p:cNvPr id="9" name="Segnaposto numero diapositiva 8"/>
-          <p:cNvSpPr>
-            <a:spLocks noGrp="1"/>
-          </p:cNvSpPr>
-          <p:nvPr>
-            <p:ph type="sldNum" sz="quarter" idx="12"/>
-          </p:nvPr>
-        </p:nvSpPr>
-        <p:spPr/>
-        <p:txBody>
-          <a:bodyPr/>
-          <a:lstStyle/>
-          <a:p>
-            <a:fld id="{017EC607-BD11-4D4E-AC5F-155C854A0B9D}" type="slidenum">
-              <a:rPr lang="it-IT" smtClean="0"/>
-              <a:pPr/>
-              <a:t>18</a:t>
-            </a:fld>
-            <a:r>
-              <a:rPr lang="it-IT" dirty="0" smtClean="0"/>
-              <a:t> di 24</a:t>
-            </a:r>
-            <a:endParaRPr lang="it-IT" dirty="0"/>
-          </a:p>
-        </p:txBody>
-      </p:sp>
-      <p:pic>
-        <p:nvPicPr>
-          <p:cNvPr id="8" name="Immagine 7" descr="Gui-Mob-Notifica.jpg"/>
-          <p:cNvPicPr>
-            <a:picLocks noChangeAspect="1"/>
-          </p:cNvPicPr>
-          <p:nvPr/>
-        </p:nvPicPr>
-        <p:blipFill>
-          <a:blip r:embed="rId3" cstate="print"/>
-          <a:stretch>
-            <a:fillRect/>
-          </a:stretch>
-        </p:blipFill>
-        <p:spPr>
-          <a:xfrm>
-            <a:off x="1773072" y="676123"/>
-            <a:ext cx="1920213" cy="2880320"/>
-          </a:xfrm>
-          <a:prstGeom prst="rect">
-            <a:avLst/>
-          </a:prstGeom>
-        </p:spPr>
-      </p:pic>
-      <p:pic>
-        <p:nvPicPr>
-          <p:cNvPr id="11" name="Immagine 10" descr="Gui-Mob-Risposta.jpg"/>
-          <p:cNvPicPr>
-            <a:picLocks noChangeAspect="1"/>
-          </p:cNvPicPr>
-          <p:nvPr/>
-        </p:nvPicPr>
-        <p:blipFill>
-          <a:blip r:embed="rId4" cstate="print"/>
-          <a:stretch>
-            <a:fillRect/>
-          </a:stretch>
-        </p:blipFill>
-        <p:spPr>
-          <a:xfrm>
-            <a:off x="5443266" y="3595546"/>
-            <a:ext cx="1911147" cy="2857790"/>
-          </a:xfrm>
-          <a:prstGeom prst="rect">
-            <a:avLst/>
-          </a:prstGeom>
-        </p:spPr>
-      </p:pic>
-      <p:pic>
-        <p:nvPicPr>
-          <p:cNvPr id="13" name="Immagine 12" descr="Gui-Mob-Datiutente.jpg"/>
-          <p:cNvPicPr>
-            <a:picLocks noChangeAspect="1"/>
-          </p:cNvPicPr>
-          <p:nvPr/>
-        </p:nvPicPr>
-        <p:blipFill>
-          <a:blip r:embed="rId5" cstate="print"/>
-          <a:stretch>
-            <a:fillRect/>
-          </a:stretch>
-        </p:blipFill>
-        <p:spPr>
-          <a:xfrm>
-            <a:off x="1773072" y="3569398"/>
-            <a:ext cx="1928634" cy="2883938"/>
-          </a:xfrm>
-          <a:prstGeom prst="rect">
-            <a:avLst/>
-          </a:prstGeom>
-        </p:spPr>
-      </p:pic>
-      <p:pic>
-        <p:nvPicPr>
-          <p:cNvPr id="10" name="Immagine 9" descr="Gui-Mob-Statistiche.jpg"/>
-          <p:cNvPicPr>
-            <a:picLocks noChangeAspect="1"/>
-          </p:cNvPicPr>
-          <p:nvPr/>
-        </p:nvPicPr>
-        <p:blipFill>
-          <a:blip r:embed="rId6" cstate="print"/>
-          <a:stretch>
-            <a:fillRect/>
-          </a:stretch>
-        </p:blipFill>
-        <p:spPr>
-          <a:xfrm>
-            <a:off x="5443265" y="750711"/>
-            <a:ext cx="1911147" cy="2857789"/>
-          </a:xfrm>
-          <a:prstGeom prst="rect">
-            <a:avLst/>
-          </a:prstGeom>
-        </p:spPr>
-      </p:pic>
-    </p:spTree>
-    <p:extLst>
-      <p:ext uri="{BB962C8B-B14F-4D97-AF65-F5344CB8AC3E}">
-        <p14:creationId xmlns:p14="http://schemas.microsoft.com/office/powerpoint/2010/main" val="200703652"/>
-      </p:ext>
-    </p:extLst>
-  </p:cSld>
-  <p:clrMapOvr>
-    <a:masterClrMapping/>
-  </p:clrMapOvr>
-  <p:timing>
-    <p:tnLst>
-      <p:par>
-        <p:cTn id="1" dur="indefinite" restart="never" nodeType="tmRoot"/>
-      </p:par>
-    </p:tnLst>
-  </p:timing>
-</p:sld>
-</file>
-
-<file path=ppt/slides/slide19.xml><?xml version="1.0" encoding="utf-8"?>
-<p:sld xmlns:a="http://schemas.openxmlformats.org/drawingml/2006/main" xmlns:r="http://schemas.openxmlformats.org/officeDocument/2006/relationships" xmlns:p="http://schemas.openxmlformats.org/presentationml/2006/main">
-  <p:cSld>
-    <p:spTree>
-      <p:nvGrpSpPr>
-        <p:cNvPr id="1" name=""/>
-        <p:cNvGrpSpPr/>
-        <p:nvPr/>
-      </p:nvGrpSpPr>
-      <p:grpSpPr>
-        <a:xfrm>
-          <a:off x="0" y="0"/>
-          <a:ext cx="0" cy="0"/>
-          <a:chOff x="0" y="0"/>
-          <a:chExt cx="0" cy="0"/>
-        </a:xfrm>
-      </p:grpSpPr>
-      <p:pic>
-        <p:nvPicPr>
-          <p:cNvPr id="7" name="Immagine 6"/>
-          <p:cNvPicPr>
-            <a:picLocks noChangeAspect="1"/>
-          </p:cNvPicPr>
-          <p:nvPr/>
-        </p:nvPicPr>
-        <p:blipFill>
-          <a:blip r:embed="rId2" cstate="print">
-            <a:extLst>
-              <a:ext uri="{28A0092B-C50C-407E-A947-70E740481C1C}">
-                <a14:useLocalDpi xmlns:a14="http://schemas.microsoft.com/office/drawing/2010/main" val="0"/>
-              </a:ext>
-            </a:extLst>
-          </a:blip>
-          <a:stretch>
-            <a:fillRect/>
-          </a:stretch>
-        </p:blipFill>
-        <p:spPr>
-          <a:xfrm>
-            <a:off x="2750630" y="1268760"/>
-            <a:ext cx="3765586" cy="4581128"/>
-          </a:xfrm>
-          <a:prstGeom prst="rect">
-            <a:avLst/>
-          </a:prstGeom>
-        </p:spPr>
-      </p:pic>
-      <p:sp>
-        <p:nvSpPr>
-          <p:cNvPr id="6" name="Segnaposto data 5"/>
-          <p:cNvSpPr>
-            <a:spLocks noGrp="1"/>
-          </p:cNvSpPr>
-          <p:nvPr>
-            <p:ph type="dt" sz="half" idx="10"/>
-          </p:nvPr>
-        </p:nvSpPr>
-        <p:spPr/>
-        <p:txBody>
-          <a:bodyPr/>
-          <a:lstStyle/>
-          <a:p>
-            <a:r>
-              <a:rPr lang="it-IT" dirty="0" smtClean="0"/>
-              <a:t>Progetto </a:t>
-            </a:r>
-            <a:r>
-              <a:rPr lang="it-IT" dirty="0" err="1" smtClean="0"/>
-              <a:t>Gamification</a:t>
-            </a:r>
-            <a:r>
-              <a:rPr lang="it-IT" dirty="0" smtClean="0"/>
-              <a:t> - Team </a:t>
-            </a:r>
-            <a:r>
-              <a:rPr lang="it-IT" dirty="0" err="1" smtClean="0"/>
-              <a:t>Committed</a:t>
-            </a:r>
-            <a:endParaRPr lang="it-IT" dirty="0"/>
-          </a:p>
-        </p:txBody>
-      </p:sp>
-      <p:sp>
-        <p:nvSpPr>
-          <p:cNvPr id="9" name="Segnaposto numero diapositiva 8"/>
-          <p:cNvSpPr>
-            <a:spLocks noGrp="1"/>
-          </p:cNvSpPr>
-          <p:nvPr>
-            <p:ph type="sldNum" sz="quarter" idx="12"/>
-          </p:nvPr>
-        </p:nvSpPr>
-        <p:spPr/>
-        <p:txBody>
-          <a:bodyPr/>
-          <a:lstStyle/>
-          <a:p>
-            <a:fld id="{017EC607-BD11-4D4E-AC5F-155C854A0B9D}" type="slidenum">
-              <a:rPr lang="it-IT" smtClean="0"/>
-              <a:pPr/>
-              <a:t>19</a:t>
-            </a:fld>
-            <a:r>
-              <a:rPr lang="it-IT" dirty="0" smtClean="0"/>
-              <a:t> di 24</a:t>
-            </a:r>
-            <a:endParaRPr lang="it-IT" dirty="0"/>
-          </a:p>
-        </p:txBody>
-      </p:sp>
-      <p:pic>
-        <p:nvPicPr>
-          <p:cNvPr id="2" name="Immagine 1"/>
-          <p:cNvPicPr>
-            <a:picLocks noChangeAspect="1"/>
-          </p:cNvPicPr>
-          <p:nvPr/>
-        </p:nvPicPr>
-        <p:blipFill>
-          <a:blip r:embed="rId3">
-            <a:extLst>
-              <a:ext uri="{28A0092B-C50C-407E-A947-70E740481C1C}">
-                <a14:useLocalDpi xmlns:a14="http://schemas.microsoft.com/office/drawing/2010/main" val="0"/>
-              </a:ext>
-            </a:extLst>
-          </a:blip>
-          <a:stretch>
-            <a:fillRect/>
-          </a:stretch>
-        </p:blipFill>
-        <p:spPr>
-          <a:xfrm>
-            <a:off x="590987" y="1124744"/>
-            <a:ext cx="7869445" cy="4896544"/>
-          </a:xfrm>
-          <a:prstGeom prst="rect">
-            <a:avLst/>
-          </a:prstGeom>
-        </p:spPr>
-      </p:pic>
-    </p:spTree>
-    <p:extLst>
-      <p:ext uri="{BB962C8B-B14F-4D97-AF65-F5344CB8AC3E}">
-        <p14:creationId xmlns:p14="http://schemas.microsoft.com/office/powerpoint/2010/main" val="200703652"/>
+        <p14:creationId xmlns="" xmlns:p14="http://schemas.microsoft.com/office/powerpoint/2010/main" val="3567273252"/>
       </p:ext>
     </p:extLst>
   </p:cSld>
@@ -16524,7 +14456,7 @@
           <a:blip r:embed="rId2" cstate="print">
             <a:extLst>
               <a:ext uri="{28A0092B-C50C-407E-A947-70E740481C1C}">
-                <a14:useLocalDpi xmlns:a14="http://schemas.microsoft.com/office/drawing/2010/main" val="0"/>
+                <a14:useLocalDpi xmlns="" xmlns:a14="http://schemas.microsoft.com/office/drawing/2010/main" val="0"/>
               </a:ext>
             </a:extLst>
           </a:blip>
@@ -16578,9 +14510,15 @@
         <p:spPr/>
         <p:txBody>
           <a:bodyPr>
-            <a:normAutofit lnSpcReduction="10000"/>
+            <a:normAutofit/>
           </a:bodyPr>
           <a:lstStyle/>
+          <a:p>
+            <a:pPr marL="68580" indent="0">
+              <a:buNone/>
+            </a:pPr>
+            <a:endParaRPr lang="it-IT" dirty="0" smtClean="0"/>
+          </a:p>
           <a:p>
             <a:pPr marL="525780" indent="-457200">
               <a:buFont typeface="+mj-lt"/>
@@ -16598,7 +14536,7 @@
             </a:pPr>
             <a:r>
               <a:rPr lang="it-IT" dirty="0" smtClean="0"/>
-              <a:t>Front-end Desktop</a:t>
+              <a:t>Test </a:t>
             </a:r>
           </a:p>
           <a:p>
@@ -16608,47 +14546,7 @@
             </a:pPr>
             <a:r>
               <a:rPr lang="it-IT" dirty="0" smtClean="0"/>
-              <a:t>Front-end Web</a:t>
-            </a:r>
-          </a:p>
-          <a:p>
-            <a:pPr marL="525780" indent="-457200">
-              <a:buFont typeface="+mj-lt"/>
-              <a:buAutoNum type="arabicPeriod"/>
-            </a:pPr>
-            <a:r>
-              <a:rPr lang="it-IT" dirty="0" smtClean="0"/>
-              <a:t>Front-end Mobile</a:t>
-            </a:r>
-          </a:p>
-          <a:p>
-            <a:pPr marL="525780" indent="-457200">
-              <a:buFont typeface="+mj-lt"/>
-              <a:buAutoNum type="arabicPeriod"/>
-            </a:pPr>
-            <a:r>
-              <a:rPr lang="it-IT" dirty="0" smtClean="0"/>
-              <a:t>Back-end</a:t>
-            </a:r>
-          </a:p>
-          <a:p>
-            <a:pPr marL="525780" indent="-457200">
-              <a:buFont typeface="+mj-lt"/>
-              <a:buAutoNum type="arabicPeriod"/>
-            </a:pPr>
-            <a:r>
-              <a:rPr lang="it-IT" dirty="0" smtClean="0"/>
-              <a:t>Diagramma delle Attività</a:t>
-            </a:r>
-          </a:p>
-          <a:p>
-            <a:pPr marL="525780" indent="-457200">
-              <a:buFont typeface="+mj-lt"/>
-              <a:buAutoNum type="arabicPeriod"/>
-            </a:pPr>
-            <a:r>
-              <a:rPr lang="it-IT" dirty="0" smtClean="0"/>
-              <a:t>Prototipi di interfaccia</a:t>
+              <a:t>Problemi riscontrati</a:t>
             </a:r>
           </a:p>
           <a:p>
@@ -16662,16 +14560,24 @@
             </a:r>
           </a:p>
           <a:p>
-            <a:pPr marL="68580" indent="0">
-              <a:buNone/>
+            <a:pPr marL="525780" indent="-457200">
+              <a:buFont typeface="+mj-lt"/>
+              <a:buAutoNum type="arabicPeriod"/>
             </a:pPr>
-            <a:endParaRPr lang="it-IT" dirty="0" smtClean="0"/>
+            <a:r>
+              <a:rPr lang="it-IT" dirty="0" smtClean="0"/>
+              <a:t>Prototipo Web</a:t>
+            </a:r>
           </a:p>
           <a:p>
             <a:pPr marL="525780" indent="-457200">
               <a:buFont typeface="+mj-lt"/>
               <a:buAutoNum type="arabicPeriod"/>
             </a:pPr>
+            <a:r>
+              <a:rPr lang="it-IT" dirty="0" smtClean="0"/>
+              <a:t>Prototipo Mobile</a:t>
+            </a:r>
             <a:endParaRPr lang="it-IT" dirty="0"/>
           </a:p>
         </p:txBody>
@@ -16729,768 +14635,7 @@
     </p:spTree>
     <p:extLst>
       <p:ext uri="{BB962C8B-B14F-4D97-AF65-F5344CB8AC3E}">
-        <p14:creationId xmlns:p14="http://schemas.microsoft.com/office/powerpoint/2010/main" val="476818001"/>
-      </p:ext>
-    </p:extLst>
-  </p:cSld>
-  <p:clrMapOvr>
-    <a:masterClrMapping/>
-  </p:clrMapOvr>
-  <p:timing>
-    <p:tnLst>
-      <p:par>
-        <p:cTn id="1" dur="indefinite" restart="never" nodeType="tmRoot"/>
-      </p:par>
-    </p:tnLst>
-  </p:timing>
-</p:sld>
-</file>
-
-<file path=ppt/slides/slide20.xml><?xml version="1.0" encoding="utf-8"?>
-<p:sld xmlns:a="http://schemas.openxmlformats.org/drawingml/2006/main" xmlns:r="http://schemas.openxmlformats.org/officeDocument/2006/relationships" xmlns:p="http://schemas.openxmlformats.org/presentationml/2006/main">
-  <p:cSld>
-    <p:spTree>
-      <p:nvGrpSpPr>
-        <p:cNvPr id="1" name=""/>
-        <p:cNvGrpSpPr/>
-        <p:nvPr/>
-      </p:nvGrpSpPr>
-      <p:grpSpPr>
-        <a:xfrm>
-          <a:off x="0" y="0"/>
-          <a:ext cx="0" cy="0"/>
-          <a:chOff x="0" y="0"/>
-          <a:chExt cx="0" cy="0"/>
-        </a:xfrm>
-      </p:grpSpPr>
-      <p:pic>
-        <p:nvPicPr>
-          <p:cNvPr id="7" name="Immagine 6"/>
-          <p:cNvPicPr>
-            <a:picLocks noChangeAspect="1"/>
-          </p:cNvPicPr>
-          <p:nvPr/>
-        </p:nvPicPr>
-        <p:blipFill>
-          <a:blip r:embed="rId2" cstate="print">
-            <a:extLst>
-              <a:ext uri="{28A0092B-C50C-407E-A947-70E740481C1C}">
-                <a14:useLocalDpi xmlns:a14="http://schemas.microsoft.com/office/drawing/2010/main" val="0"/>
-              </a:ext>
-            </a:extLst>
-          </a:blip>
-          <a:stretch>
-            <a:fillRect/>
-          </a:stretch>
-        </p:blipFill>
-        <p:spPr>
-          <a:xfrm>
-            <a:off x="2750630" y="1268760"/>
-            <a:ext cx="3765586" cy="4581128"/>
-          </a:xfrm>
-          <a:prstGeom prst="rect">
-            <a:avLst/>
-          </a:prstGeom>
-        </p:spPr>
-      </p:pic>
-      <p:sp>
-        <p:nvSpPr>
-          <p:cNvPr id="6" name="Segnaposto data 5"/>
-          <p:cNvSpPr>
-            <a:spLocks noGrp="1"/>
-          </p:cNvSpPr>
-          <p:nvPr>
-            <p:ph type="dt" sz="half" idx="10"/>
-          </p:nvPr>
-        </p:nvSpPr>
-        <p:spPr/>
-        <p:txBody>
-          <a:bodyPr/>
-          <a:lstStyle/>
-          <a:p>
-            <a:r>
-              <a:rPr lang="it-IT" dirty="0" smtClean="0"/>
-              <a:t>Progetto </a:t>
-            </a:r>
-            <a:r>
-              <a:rPr lang="it-IT" dirty="0" err="1" smtClean="0"/>
-              <a:t>Gamification</a:t>
-            </a:r>
-            <a:r>
-              <a:rPr lang="it-IT" dirty="0" smtClean="0"/>
-              <a:t> - Team </a:t>
-            </a:r>
-            <a:r>
-              <a:rPr lang="it-IT" dirty="0" err="1" smtClean="0"/>
-              <a:t>Committed</a:t>
-            </a:r>
-            <a:endParaRPr lang="it-IT" dirty="0"/>
-          </a:p>
-        </p:txBody>
-      </p:sp>
-      <p:sp>
-        <p:nvSpPr>
-          <p:cNvPr id="9" name="Segnaposto numero diapositiva 8"/>
-          <p:cNvSpPr>
-            <a:spLocks noGrp="1"/>
-          </p:cNvSpPr>
-          <p:nvPr>
-            <p:ph type="sldNum" sz="quarter" idx="12"/>
-          </p:nvPr>
-        </p:nvSpPr>
-        <p:spPr/>
-        <p:txBody>
-          <a:bodyPr/>
-          <a:lstStyle/>
-          <a:p>
-            <a:fld id="{017EC607-BD11-4D4E-AC5F-155C854A0B9D}" type="slidenum">
-              <a:rPr lang="it-IT" smtClean="0"/>
-              <a:pPr/>
-              <a:t>20</a:t>
-            </a:fld>
-            <a:r>
-              <a:rPr lang="it-IT" dirty="0" smtClean="0"/>
-              <a:t> di 24</a:t>
-            </a:r>
-            <a:endParaRPr lang="it-IT" dirty="0"/>
-          </a:p>
-        </p:txBody>
-      </p:sp>
-      <p:pic>
-        <p:nvPicPr>
-          <p:cNvPr id="8" name="Immagine 7"/>
-          <p:cNvPicPr>
-            <a:picLocks noChangeAspect="1"/>
-          </p:cNvPicPr>
-          <p:nvPr/>
-        </p:nvPicPr>
-        <p:blipFill>
-          <a:blip r:embed="rId3">
-            <a:extLst>
-              <a:ext uri="{28A0092B-C50C-407E-A947-70E740481C1C}">
-                <a14:useLocalDpi xmlns:a14="http://schemas.microsoft.com/office/drawing/2010/main" val="0"/>
-              </a:ext>
-            </a:extLst>
-          </a:blip>
-          <a:stretch>
-            <a:fillRect/>
-          </a:stretch>
-        </p:blipFill>
-        <p:spPr>
-          <a:xfrm>
-            <a:off x="590986" y="1160264"/>
-            <a:ext cx="7869445" cy="4861024"/>
-          </a:xfrm>
-          <a:prstGeom prst="rect">
-            <a:avLst/>
-          </a:prstGeom>
-        </p:spPr>
-      </p:pic>
-    </p:spTree>
-    <p:extLst>
-      <p:ext uri="{BB962C8B-B14F-4D97-AF65-F5344CB8AC3E}">
-        <p14:creationId xmlns:p14="http://schemas.microsoft.com/office/powerpoint/2010/main" val="200703652"/>
-      </p:ext>
-    </p:extLst>
-  </p:cSld>
-  <p:clrMapOvr>
-    <a:masterClrMapping/>
-  </p:clrMapOvr>
-  <p:timing>
-    <p:tnLst>
-      <p:par>
-        <p:cTn id="1" dur="indefinite" restart="never" nodeType="tmRoot"/>
-      </p:par>
-    </p:tnLst>
-  </p:timing>
-</p:sld>
-</file>
-
-<file path=ppt/slides/slide21.xml><?xml version="1.0" encoding="utf-8"?>
-<p:sld xmlns:a="http://schemas.openxmlformats.org/drawingml/2006/main" xmlns:r="http://schemas.openxmlformats.org/officeDocument/2006/relationships" xmlns:p="http://schemas.openxmlformats.org/presentationml/2006/main">
-  <p:cSld>
-    <p:spTree>
-      <p:nvGrpSpPr>
-        <p:cNvPr id="1" name=""/>
-        <p:cNvGrpSpPr/>
-        <p:nvPr/>
-      </p:nvGrpSpPr>
-      <p:grpSpPr>
-        <a:xfrm>
-          <a:off x="0" y="0"/>
-          <a:ext cx="0" cy="0"/>
-          <a:chOff x="0" y="0"/>
-          <a:chExt cx="0" cy="0"/>
-        </a:xfrm>
-      </p:grpSpPr>
-      <p:pic>
-        <p:nvPicPr>
-          <p:cNvPr id="3" name="Immagine 2"/>
-          <p:cNvPicPr>
-            <a:picLocks noChangeAspect="1"/>
-          </p:cNvPicPr>
-          <p:nvPr/>
-        </p:nvPicPr>
-        <p:blipFill>
-          <a:blip r:embed="rId2" cstate="print">
-            <a:extLst>
-              <a:ext uri="{28A0092B-C50C-407E-A947-70E740481C1C}">
-                <a14:useLocalDpi xmlns:a14="http://schemas.microsoft.com/office/drawing/2010/main" val="0"/>
-              </a:ext>
-            </a:extLst>
-          </a:blip>
-          <a:stretch>
-            <a:fillRect/>
-          </a:stretch>
-        </p:blipFill>
-        <p:spPr>
-          <a:xfrm>
-            <a:off x="2750630" y="1268760"/>
-            <a:ext cx="3765586" cy="4581128"/>
-          </a:xfrm>
-          <a:prstGeom prst="rect">
-            <a:avLst/>
-          </a:prstGeom>
-        </p:spPr>
-      </p:pic>
-      <p:sp>
-        <p:nvSpPr>
-          <p:cNvPr id="2" name="Titolo 1"/>
-          <p:cNvSpPr>
-            <a:spLocks noGrp="1"/>
-          </p:cNvSpPr>
-          <p:nvPr>
-            <p:ph type="title"/>
-          </p:nvPr>
-        </p:nvSpPr>
-        <p:spPr>
-          <a:xfrm>
-            <a:off x="1043608" y="2996952"/>
-            <a:ext cx="7024744" cy="1143000"/>
-          </a:xfrm>
-        </p:spPr>
-        <p:txBody>
-          <a:bodyPr/>
-          <a:lstStyle/>
-          <a:p>
-            <a:pPr algn="ctr"/>
-            <a:r>
-              <a:rPr lang="it-IT" dirty="0" smtClean="0"/>
-              <a:t>8. Consuntivo</a:t>
-            </a:r>
-            <a:endParaRPr lang="it-IT" dirty="0"/>
-          </a:p>
-        </p:txBody>
-      </p:sp>
-      <p:sp>
-        <p:nvSpPr>
-          <p:cNvPr id="4" name="Segnaposto data 3"/>
-          <p:cNvSpPr>
-            <a:spLocks noGrp="1"/>
-          </p:cNvSpPr>
-          <p:nvPr>
-            <p:ph type="dt" sz="half" idx="10"/>
-          </p:nvPr>
-        </p:nvSpPr>
-        <p:spPr/>
-        <p:txBody>
-          <a:bodyPr/>
-          <a:lstStyle/>
-          <a:p>
-            <a:r>
-              <a:rPr lang="it-IT" smtClean="0"/>
-              <a:t>Progetto Gamification - Team Committed</a:t>
-            </a:r>
-            <a:endParaRPr lang="it-IT"/>
-          </a:p>
-        </p:txBody>
-      </p:sp>
-      <p:sp>
-        <p:nvSpPr>
-          <p:cNvPr id="7" name="Segnaposto numero diapositiva 6"/>
-          <p:cNvSpPr>
-            <a:spLocks noGrp="1"/>
-          </p:cNvSpPr>
-          <p:nvPr>
-            <p:ph type="sldNum" sz="quarter" idx="12"/>
-          </p:nvPr>
-        </p:nvSpPr>
-        <p:spPr/>
-        <p:txBody>
-          <a:bodyPr/>
-          <a:lstStyle/>
-          <a:p>
-            <a:fld id="{017EC607-BD11-4D4E-AC5F-155C854A0B9D}" type="slidenum">
-              <a:rPr lang="it-IT" smtClean="0"/>
-              <a:pPr/>
-              <a:t>21</a:t>
-            </a:fld>
-            <a:r>
-              <a:rPr lang="it-IT" dirty="0" smtClean="0"/>
-              <a:t> di 24</a:t>
-            </a:r>
-          </a:p>
-        </p:txBody>
-      </p:sp>
-    </p:spTree>
-    <p:extLst>
-      <p:ext uri="{BB962C8B-B14F-4D97-AF65-F5344CB8AC3E}">
-        <p14:creationId xmlns:p14="http://schemas.microsoft.com/office/powerpoint/2010/main" val="1165397648"/>
-      </p:ext>
-    </p:extLst>
-  </p:cSld>
-  <p:clrMapOvr>
-    <a:masterClrMapping/>
-  </p:clrMapOvr>
-  <p:timing>
-    <p:tnLst>
-      <p:par>
-        <p:cTn id="1" dur="indefinite" restart="never" nodeType="tmRoot"/>
-      </p:par>
-    </p:tnLst>
-  </p:timing>
-</p:sld>
-</file>
-
-<file path=ppt/slides/slide22.xml><?xml version="1.0" encoding="utf-8"?>
-<p:sld xmlns:a="http://schemas.openxmlformats.org/drawingml/2006/main" xmlns:r="http://schemas.openxmlformats.org/officeDocument/2006/relationships" xmlns:p="http://schemas.openxmlformats.org/presentationml/2006/main">
-  <p:cSld>
-    <p:spTree>
-      <p:nvGrpSpPr>
-        <p:cNvPr id="1" name=""/>
-        <p:cNvGrpSpPr/>
-        <p:nvPr/>
-      </p:nvGrpSpPr>
-      <p:grpSpPr>
-        <a:xfrm>
-          <a:off x="0" y="0"/>
-          <a:ext cx="0" cy="0"/>
-          <a:chOff x="0" y="0"/>
-          <a:chExt cx="0" cy="0"/>
-        </a:xfrm>
-      </p:grpSpPr>
-      <p:pic>
-        <p:nvPicPr>
-          <p:cNvPr id="6" name="Immagine 5"/>
-          <p:cNvPicPr>
-            <a:picLocks noChangeAspect="1"/>
-          </p:cNvPicPr>
-          <p:nvPr/>
-        </p:nvPicPr>
-        <p:blipFill>
-          <a:blip r:embed="rId2" cstate="print">
-            <a:extLst>
-              <a:ext uri="{28A0092B-C50C-407E-A947-70E740481C1C}">
-                <a14:useLocalDpi xmlns:a14="http://schemas.microsoft.com/office/drawing/2010/main" val="0"/>
-              </a:ext>
-            </a:extLst>
-          </a:blip>
-          <a:stretch>
-            <a:fillRect/>
-          </a:stretch>
-        </p:blipFill>
-        <p:spPr>
-          <a:xfrm>
-            <a:off x="2750630" y="1268760"/>
-            <a:ext cx="3765586" cy="4581128"/>
-          </a:xfrm>
-          <a:prstGeom prst="rect">
-            <a:avLst/>
-          </a:prstGeom>
-        </p:spPr>
-      </p:pic>
-      <p:sp>
-        <p:nvSpPr>
-          <p:cNvPr id="3" name="Segnaposto data 2"/>
-          <p:cNvSpPr>
-            <a:spLocks noGrp="1"/>
-          </p:cNvSpPr>
-          <p:nvPr>
-            <p:ph type="dt" sz="half" idx="10"/>
-          </p:nvPr>
-        </p:nvSpPr>
-        <p:spPr/>
-        <p:txBody>
-          <a:bodyPr/>
-          <a:lstStyle/>
-          <a:p>
-            <a:r>
-              <a:rPr lang="it-IT" smtClean="0"/>
-              <a:t>Progetto Gamification - Team Committed</a:t>
-            </a:r>
-            <a:endParaRPr lang="it-IT"/>
-          </a:p>
-        </p:txBody>
-      </p:sp>
-      <p:sp>
-        <p:nvSpPr>
-          <p:cNvPr id="4" name="Segnaposto numero diapositiva 3"/>
-          <p:cNvSpPr>
-            <a:spLocks noGrp="1"/>
-          </p:cNvSpPr>
-          <p:nvPr>
-            <p:ph type="sldNum" sz="quarter" idx="12"/>
-          </p:nvPr>
-        </p:nvSpPr>
-        <p:spPr/>
-        <p:txBody>
-          <a:bodyPr/>
-          <a:lstStyle/>
-          <a:p>
-            <a:fld id="{017EC607-BD11-4D4E-AC5F-155C854A0B9D}" type="slidenum">
-              <a:rPr lang="it-IT"/>
-              <a:pPr/>
-              <a:t>22</a:t>
-            </a:fld>
-            <a:r>
-              <a:rPr lang="it-IT" dirty="0"/>
-              <a:t> di </a:t>
-            </a:r>
-            <a:r>
-              <a:rPr lang="it-IT" dirty="0" smtClean="0"/>
-              <a:t>24</a:t>
-            </a:r>
-            <a:endParaRPr lang="it-IT" dirty="0"/>
-          </a:p>
-        </p:txBody>
-      </p:sp>
-      <p:graphicFrame>
-        <p:nvGraphicFramePr>
-          <p:cNvPr id="5" name="Grafico 4"/>
-          <p:cNvGraphicFramePr>
-            <a:graphicFrameLocks/>
-          </p:cNvGraphicFramePr>
-          <p:nvPr>
-            <p:extLst>
-              <p:ext uri="{D42A27DB-BD31-4B8C-83A1-F6EECF244321}">
-                <p14:modId xmlns:p14="http://schemas.microsoft.com/office/powerpoint/2010/main" val="118375365"/>
-              </p:ext>
-            </p:extLst>
-          </p:nvPr>
-        </p:nvGraphicFramePr>
-        <p:xfrm>
-          <a:off x="1043608" y="1196752"/>
-          <a:ext cx="7128792" cy="4896544"/>
-        </p:xfrm>
-        <a:graphic>
-          <a:graphicData uri="http://schemas.openxmlformats.org/drawingml/2006/chart">
-            <c:chart xmlns:c="http://schemas.openxmlformats.org/drawingml/2006/chart" xmlns:r="http://schemas.openxmlformats.org/officeDocument/2006/relationships" r:id="rId3"/>
-          </a:graphicData>
-        </a:graphic>
-      </p:graphicFrame>
-    </p:spTree>
-    <p:extLst>
-      <p:ext uri="{BB962C8B-B14F-4D97-AF65-F5344CB8AC3E}">
-        <p14:creationId xmlns:p14="http://schemas.microsoft.com/office/powerpoint/2010/main" val="4169274934"/>
-      </p:ext>
-    </p:extLst>
-  </p:cSld>
-  <p:clrMapOvr>
-    <a:masterClrMapping/>
-  </p:clrMapOvr>
-  <p:timing>
-    <p:tnLst>
-      <p:par>
-        <p:cTn id="1" dur="indefinite" restart="never" nodeType="tmRoot"/>
-      </p:par>
-    </p:tnLst>
-  </p:timing>
-</p:sld>
-</file>
-
-<file path=ppt/slides/slide23.xml><?xml version="1.0" encoding="utf-8"?>
-<p:sld xmlns:a="http://schemas.openxmlformats.org/drawingml/2006/main" xmlns:r="http://schemas.openxmlformats.org/officeDocument/2006/relationships" xmlns:p="http://schemas.openxmlformats.org/presentationml/2006/main">
-  <p:cSld>
-    <p:spTree>
-      <p:nvGrpSpPr>
-        <p:cNvPr id="1" name=""/>
-        <p:cNvGrpSpPr/>
-        <p:nvPr/>
-      </p:nvGrpSpPr>
-      <p:grpSpPr>
-        <a:xfrm>
-          <a:off x="0" y="0"/>
-          <a:ext cx="0" cy="0"/>
-          <a:chOff x="0" y="0"/>
-          <a:chExt cx="0" cy="0"/>
-        </a:xfrm>
-      </p:grpSpPr>
-      <p:pic>
-        <p:nvPicPr>
-          <p:cNvPr id="6" name="Immagine 5"/>
-          <p:cNvPicPr>
-            <a:picLocks noChangeAspect="1"/>
-          </p:cNvPicPr>
-          <p:nvPr/>
-        </p:nvPicPr>
-        <p:blipFill>
-          <a:blip r:embed="rId2" cstate="print">
-            <a:extLst>
-              <a:ext uri="{28A0092B-C50C-407E-A947-70E740481C1C}">
-                <a14:useLocalDpi xmlns:a14="http://schemas.microsoft.com/office/drawing/2010/main" val="0"/>
-              </a:ext>
-            </a:extLst>
-          </a:blip>
-          <a:stretch>
-            <a:fillRect/>
-          </a:stretch>
-        </p:blipFill>
-        <p:spPr>
-          <a:xfrm>
-            <a:off x="2750630" y="1268760"/>
-            <a:ext cx="3765586" cy="4581128"/>
-          </a:xfrm>
-          <a:prstGeom prst="rect">
-            <a:avLst/>
-          </a:prstGeom>
-        </p:spPr>
-      </p:pic>
-      <p:sp>
-        <p:nvSpPr>
-          <p:cNvPr id="3" name="Segnaposto data 2"/>
-          <p:cNvSpPr>
-            <a:spLocks noGrp="1"/>
-          </p:cNvSpPr>
-          <p:nvPr>
-            <p:ph type="dt" sz="half" idx="10"/>
-          </p:nvPr>
-        </p:nvSpPr>
-        <p:spPr/>
-        <p:txBody>
-          <a:bodyPr/>
-          <a:lstStyle/>
-          <a:p>
-            <a:r>
-              <a:rPr lang="it-IT" smtClean="0"/>
-              <a:t>Progetto Gamification - Team Committed</a:t>
-            </a:r>
-            <a:endParaRPr lang="it-IT"/>
-          </a:p>
-        </p:txBody>
-      </p:sp>
-      <p:sp>
-        <p:nvSpPr>
-          <p:cNvPr id="4" name="Segnaposto numero diapositiva 3"/>
-          <p:cNvSpPr>
-            <a:spLocks noGrp="1"/>
-          </p:cNvSpPr>
-          <p:nvPr>
-            <p:ph type="sldNum" sz="quarter" idx="12"/>
-          </p:nvPr>
-        </p:nvSpPr>
-        <p:spPr/>
-        <p:txBody>
-          <a:bodyPr/>
-          <a:lstStyle/>
-          <a:p>
-            <a:fld id="{017EC607-BD11-4D4E-AC5F-155C854A0B9D}" type="slidenum">
-              <a:rPr lang="it-IT" smtClean="0"/>
-              <a:pPr/>
-              <a:t>23</a:t>
-            </a:fld>
-            <a:r>
-              <a:rPr lang="it-IT" dirty="0"/>
-              <a:t> </a:t>
-            </a:r>
-            <a:r>
-              <a:rPr lang="it-IT" dirty="0" smtClean="0"/>
-              <a:t>di 24</a:t>
-            </a:r>
-            <a:endParaRPr lang="it-IT" dirty="0"/>
-          </a:p>
-        </p:txBody>
-      </p:sp>
-      <p:graphicFrame>
-        <p:nvGraphicFramePr>
-          <p:cNvPr id="8" name="Grafico 7"/>
-          <p:cNvGraphicFramePr>
-            <a:graphicFrameLocks/>
-          </p:cNvGraphicFramePr>
-          <p:nvPr>
-            <p:extLst>
-              <p:ext uri="{D42A27DB-BD31-4B8C-83A1-F6EECF244321}">
-                <p14:modId xmlns:p14="http://schemas.microsoft.com/office/powerpoint/2010/main" val="409499605"/>
-              </p:ext>
-            </p:extLst>
-          </p:nvPr>
-        </p:nvGraphicFramePr>
-        <p:xfrm>
-          <a:off x="1115616" y="1700808"/>
-          <a:ext cx="6912768" cy="4032448"/>
-        </p:xfrm>
-        <a:graphic>
-          <a:graphicData uri="http://schemas.openxmlformats.org/drawingml/2006/chart">
-            <c:chart xmlns:c="http://schemas.openxmlformats.org/drawingml/2006/chart" xmlns:r="http://schemas.openxmlformats.org/officeDocument/2006/relationships" r:id="rId3"/>
-          </a:graphicData>
-        </a:graphic>
-      </p:graphicFrame>
-    </p:spTree>
-    <p:extLst>
-      <p:ext uri="{BB962C8B-B14F-4D97-AF65-F5344CB8AC3E}">
-        <p14:creationId xmlns:p14="http://schemas.microsoft.com/office/powerpoint/2010/main" val="1166079948"/>
-      </p:ext>
-    </p:extLst>
-  </p:cSld>
-  <p:clrMapOvr>
-    <a:masterClrMapping/>
-  </p:clrMapOvr>
-  <p:timing>
-    <p:tnLst>
-      <p:par>
-        <p:cTn id="1" dur="indefinite" restart="never" nodeType="tmRoot"/>
-      </p:par>
-    </p:tnLst>
-  </p:timing>
-</p:sld>
-</file>
-
-<file path=ppt/slides/slide24.xml><?xml version="1.0" encoding="utf-8"?>
-<p:sld xmlns:a="http://schemas.openxmlformats.org/drawingml/2006/main" xmlns:r="http://schemas.openxmlformats.org/officeDocument/2006/relationships" xmlns:p="http://schemas.openxmlformats.org/presentationml/2006/main">
-  <p:cSld>
-    <p:spTree>
-      <p:nvGrpSpPr>
-        <p:cNvPr id="1" name=""/>
-        <p:cNvGrpSpPr/>
-        <p:nvPr/>
-      </p:nvGrpSpPr>
-      <p:grpSpPr>
-        <a:xfrm>
-          <a:off x="0" y="0"/>
-          <a:ext cx="0" cy="0"/>
-          <a:chOff x="0" y="0"/>
-          <a:chExt cx="0" cy="0"/>
-        </a:xfrm>
-      </p:grpSpPr>
-      <p:pic>
-        <p:nvPicPr>
-          <p:cNvPr id="5" name="Immagine 4"/>
-          <p:cNvPicPr>
-            <a:picLocks noChangeAspect="1"/>
-          </p:cNvPicPr>
-          <p:nvPr/>
-        </p:nvPicPr>
-        <p:blipFill>
-          <a:blip r:embed="rId2" cstate="print">
-            <a:extLst>
-              <a:ext uri="{28A0092B-C50C-407E-A947-70E740481C1C}">
-                <a14:useLocalDpi xmlns:a14="http://schemas.microsoft.com/office/drawing/2010/main" val="0"/>
-              </a:ext>
-            </a:extLst>
-          </a:blip>
-          <a:stretch>
-            <a:fillRect/>
-          </a:stretch>
-        </p:blipFill>
-        <p:spPr>
-          <a:xfrm>
-            <a:off x="2750630" y="1268760"/>
-            <a:ext cx="3765586" cy="4581128"/>
-          </a:xfrm>
-          <a:prstGeom prst="rect">
-            <a:avLst/>
-          </a:prstGeom>
-        </p:spPr>
-      </p:pic>
-      <p:sp>
-        <p:nvSpPr>
-          <p:cNvPr id="3" name="Segnaposto data 2"/>
-          <p:cNvSpPr>
-            <a:spLocks noGrp="1"/>
-          </p:cNvSpPr>
-          <p:nvPr>
-            <p:ph type="dt" sz="half" idx="10"/>
-          </p:nvPr>
-        </p:nvSpPr>
-        <p:spPr/>
-        <p:txBody>
-          <a:bodyPr/>
-          <a:lstStyle/>
-          <a:p>
-            <a:r>
-              <a:rPr lang="it-IT" smtClean="0"/>
-              <a:t>Progetto Gamification - Team Committed</a:t>
-            </a:r>
-            <a:endParaRPr lang="it-IT"/>
-          </a:p>
-        </p:txBody>
-      </p:sp>
-      <p:sp>
-        <p:nvSpPr>
-          <p:cNvPr id="4" name="Segnaposto numero diapositiva 3"/>
-          <p:cNvSpPr>
-            <a:spLocks noGrp="1"/>
-          </p:cNvSpPr>
-          <p:nvPr>
-            <p:ph type="sldNum" sz="quarter" idx="12"/>
-          </p:nvPr>
-        </p:nvSpPr>
-        <p:spPr/>
-        <p:txBody>
-          <a:bodyPr/>
-          <a:lstStyle/>
-          <a:p>
-            <a:fld id="{017EC607-BD11-4D4E-AC5F-155C854A0B9D}" type="slidenum">
-              <a:rPr lang="it-IT" smtClean="0"/>
-              <a:pPr/>
-              <a:t>24</a:t>
-            </a:fld>
-            <a:r>
-              <a:rPr lang="it-IT" dirty="0"/>
-              <a:t> </a:t>
-            </a:r>
-            <a:r>
-              <a:rPr lang="it-IT" dirty="0" smtClean="0"/>
-              <a:t>di 24</a:t>
-            </a:r>
-            <a:endParaRPr lang="it-IT" dirty="0"/>
-          </a:p>
-        </p:txBody>
-      </p:sp>
-      <p:pic>
-        <p:nvPicPr>
-          <p:cNvPr id="1027" name="Picture 3" descr="C:\Users\Jack Thomas J. Storn\Università\Team-Committed---Documenti\RP\Esterni\Presentazione\img\ruolo-ore.jpg"/>
-          <p:cNvPicPr>
-            <a:picLocks noChangeAspect="1" noChangeArrowheads="1"/>
-          </p:cNvPicPr>
-          <p:nvPr/>
-        </p:nvPicPr>
-        <p:blipFill>
-          <a:blip r:embed="rId3">
-            <a:extLst>
-              <a:ext uri="{28A0092B-C50C-407E-A947-70E740481C1C}">
-                <a14:useLocalDpi xmlns:a14="http://schemas.microsoft.com/office/drawing/2010/main" val="0"/>
-              </a:ext>
-            </a:extLst>
-          </a:blip>
-          <a:srcRect/>
-          <a:stretch>
-            <a:fillRect/>
-          </a:stretch>
-        </p:blipFill>
-        <p:spPr bwMode="auto">
-          <a:xfrm>
-            <a:off x="803827" y="2521606"/>
-            <a:ext cx="7659191" cy="2075435"/>
-          </a:xfrm>
-          <a:prstGeom prst="rect">
-            <a:avLst/>
-          </a:prstGeom>
-          <a:noFill/>
-          <a:extLst>
-            <a:ext uri="{909E8E84-426E-40DD-AFC4-6F175D3DCCD1}">
-              <a14:hiddenFill xmlns:a14="http://schemas.microsoft.com/office/drawing/2010/main">
-                <a:solidFill>
-                  <a:srgbClr val="FFFFFF"/>
-                </a:solidFill>
-              </a14:hiddenFill>
-            </a:ext>
-          </a:extLst>
-        </p:spPr>
-      </p:pic>
-    </p:spTree>
-    <p:extLst>
-      <p:ext uri="{BB962C8B-B14F-4D97-AF65-F5344CB8AC3E}">
-        <p14:creationId xmlns:p14="http://schemas.microsoft.com/office/powerpoint/2010/main" val="1388921341"/>
+        <p14:creationId xmlns="" xmlns:p14="http://schemas.microsoft.com/office/powerpoint/2010/main" val="476818001"/>
       </p:ext>
     </p:extLst>
   </p:cSld>
@@ -17536,7 +14681,7 @@
           <a:blip r:embed="rId2" cstate="print">
             <a:extLst>
               <a:ext uri="{28A0092B-C50C-407E-A947-70E740481C1C}">
-                <a14:useLocalDpi xmlns:a14="http://schemas.microsoft.com/office/drawing/2010/main" val="0"/>
+                <a14:useLocalDpi xmlns="" xmlns:a14="http://schemas.microsoft.com/office/drawing/2010/main" val="0"/>
               </a:ext>
             </a:extLst>
           </a:blip>
@@ -17578,12 +14723,12 @@
           <a:p>
             <a:pPr algn="ctr"/>
             <a:r>
-              <a:rPr lang="it-IT" dirty="0"/>
-              <a:t>1</a:t>
+              <a:rPr lang="it-IT" smtClean="0"/>
+              <a:t>3. </a:t>
             </a:r>
             <a:r>
               <a:rPr lang="it-IT" dirty="0" smtClean="0"/>
-              <a:t>. Architettura generale</a:t>
+              <a:t>Problemi riscontrati</a:t>
             </a:r>
             <a:endParaRPr lang="it-IT" dirty="0"/>
           </a:p>
@@ -17642,7 +14787,7 @@
     </p:spTree>
     <p:extLst>
       <p:ext uri="{BB962C8B-B14F-4D97-AF65-F5344CB8AC3E}">
-        <p14:creationId xmlns:p14="http://schemas.microsoft.com/office/powerpoint/2010/main" val="318276201"/>
+        <p14:creationId xmlns="" xmlns:p14="http://schemas.microsoft.com/office/powerpoint/2010/main" val="318276201"/>
       </p:ext>
     </p:extLst>
   </p:cSld>
@@ -17688,7 +14833,7 @@
           <a:blip r:embed="rId2" cstate="print">
             <a:extLst>
               <a:ext uri="{28A0092B-C50C-407E-A947-70E740481C1C}">
-                <a14:useLocalDpi xmlns:a14="http://schemas.microsoft.com/office/drawing/2010/main" val="0"/>
+                <a14:useLocalDpi xmlns="" xmlns:a14="http://schemas.microsoft.com/office/drawing/2010/main" val="0"/>
               </a:ext>
             </a:extLst>
           </a:blip>
@@ -17769,802 +14914,104 @@
           </a:p>
         </p:txBody>
       </p:sp>
-      <p:pic>
-        <p:nvPicPr>
-          <p:cNvPr id="3" name="Picture 2" descr="architettura generale.jpg"/>
-          <p:cNvPicPr>
-            <a:picLocks noChangeAspect="1"/>
-          </p:cNvPicPr>
+      <p:sp>
+        <p:nvSpPr>
+          <p:cNvPr id="5" name="CasellaDiTesto 4"/>
+          <p:cNvSpPr txBox="1"/>
           <p:nvPr/>
-        </p:nvPicPr>
-        <p:blipFill>
-          <a:blip r:embed="rId3">
-            <a:extLst>
-              <a:ext uri="{28A0092B-C50C-407E-A947-70E740481C1C}">
-                <a14:useLocalDpi xmlns:a14="http://schemas.microsoft.com/office/drawing/2010/main" val="0"/>
-              </a:ext>
-            </a:extLst>
-          </a:blip>
-          <a:stretch>
-            <a:fillRect/>
-          </a:stretch>
-        </p:blipFill>
+        </p:nvSpPr>
         <p:spPr>
           <a:xfrm>
-            <a:off x="2339752" y="1052736"/>
-            <a:ext cx="4861854" cy="5328592"/>
+            <a:off x="1187624" y="2420888"/>
+            <a:ext cx="6912768" cy="2031325"/>
           </a:xfrm>
           <a:prstGeom prst="rect">
             <a:avLst/>
           </a:prstGeom>
+          <a:noFill/>
         </p:spPr>
-      </p:pic>
-    </p:spTree>
-    <p:extLst>
-      <p:ext uri="{BB962C8B-B14F-4D97-AF65-F5344CB8AC3E}">
-        <p14:creationId xmlns:p14="http://schemas.microsoft.com/office/powerpoint/2010/main" val="829312757"/>
-      </p:ext>
-    </p:extLst>
-  </p:cSld>
-  <p:clrMapOvr>
-    <a:masterClrMapping/>
-  </p:clrMapOvr>
-  <p:timing>
-    <p:tnLst>
-      <p:par>
-        <p:cTn id="1" dur="indefinite" restart="never" nodeType="tmRoot"/>
-      </p:par>
-    </p:tnLst>
-  </p:timing>
-</p:sld>
-</file>
-
-<file path=ppt/slides/slide5.xml><?xml version="1.0" encoding="utf-8"?>
-<p:sld xmlns:a="http://schemas.openxmlformats.org/drawingml/2006/main" xmlns:r="http://schemas.openxmlformats.org/officeDocument/2006/relationships" xmlns:p="http://schemas.openxmlformats.org/presentationml/2006/main">
-  <p:cSld>
-    <p:spTree>
-      <p:nvGrpSpPr>
-        <p:cNvPr id="1" name=""/>
-        <p:cNvGrpSpPr/>
-        <p:nvPr/>
-      </p:nvGrpSpPr>
-      <p:grpSpPr>
-        <a:xfrm>
-          <a:off x="0" y="0"/>
-          <a:ext cx="0" cy="0"/>
-          <a:chOff x="0" y="0"/>
-          <a:chExt cx="0" cy="0"/>
-        </a:xfrm>
-      </p:grpSpPr>
-      <p:pic>
-        <p:nvPicPr>
-          <p:cNvPr id="6" name="Immagine 5"/>
-          <p:cNvPicPr>
-            <a:picLocks noChangeAspect="1"/>
-          </p:cNvPicPr>
-          <p:nvPr/>
-        </p:nvPicPr>
-        <p:blipFill>
-          <a:blip r:embed="rId2" cstate="print">
-            <a:extLst>
-              <a:ext uri="{28A0092B-C50C-407E-A947-70E740481C1C}">
-                <a14:useLocalDpi xmlns:a14="http://schemas.microsoft.com/office/drawing/2010/main" val="0"/>
-              </a:ext>
-            </a:extLst>
-          </a:blip>
-          <a:stretch>
-            <a:fillRect/>
-          </a:stretch>
-        </p:blipFill>
-        <p:spPr>
-          <a:xfrm>
-            <a:off x="2750630" y="1268760"/>
-            <a:ext cx="3765586" cy="4581128"/>
-          </a:xfrm>
-          <a:prstGeom prst="rect">
-            <a:avLst/>
-          </a:prstGeom>
-        </p:spPr>
-      </p:pic>
-      <p:sp>
-        <p:nvSpPr>
-          <p:cNvPr id="2" name="Titolo 1"/>
-          <p:cNvSpPr>
-            <a:spLocks noGrp="1"/>
-          </p:cNvSpPr>
-          <p:nvPr>
-            <p:ph type="title"/>
-          </p:nvPr>
-        </p:nvSpPr>
-        <p:spPr/>
         <p:txBody>
-          <a:bodyPr/>
+          <a:bodyPr wrap="square" rtlCol="0">
+            <a:spAutoFit/>
+          </a:bodyPr>
           <a:lstStyle/>
           <a:p>
+            <a:pPr>
+              <a:buFont typeface="Arial" pitchFamily="34" charset="0"/>
+              <a:buChar char="•"/>
+            </a:pPr>
             <a:r>
               <a:rPr lang="it-IT" dirty="0" smtClean="0"/>
-              <a:t>Tecnologie utilizzate</a:t>
+              <a:t> </a:t>
             </a:r>
-            <a:endParaRPr lang="it-IT" dirty="0"/>
-          </a:p>
-        </p:txBody>
-      </p:sp>
-      <p:sp>
-        <p:nvSpPr>
-          <p:cNvPr id="3" name="Segnaposto contenuto 2"/>
-          <p:cNvSpPr>
-            <a:spLocks noGrp="1"/>
-          </p:cNvSpPr>
-          <p:nvPr>
-            <p:ph idx="1"/>
-          </p:nvPr>
-        </p:nvSpPr>
-        <p:spPr/>
-        <p:txBody>
-          <a:bodyPr/>
-          <a:lstStyle/>
-          <a:p>
             <a:r>
               <a:rPr lang="it-IT" dirty="0" smtClean="0"/>
-              <a:t>Java</a:t>
+              <a:t>Concomitanza stretta di esami e impegni</a:t>
             </a:r>
           </a:p>
           <a:p>
+            <a:pPr>
+              <a:buFont typeface="Arial" pitchFamily="34" charset="0"/>
+              <a:buChar char="•"/>
+            </a:pPr>
+            <a:endParaRPr lang="it-IT" dirty="0" smtClean="0"/>
+          </a:p>
+          <a:p>
+            <a:pPr>
+              <a:buFont typeface="Arial" pitchFamily="34" charset="0"/>
+              <a:buChar char="•"/>
+            </a:pPr>
             <a:r>
               <a:rPr lang="it-IT" dirty="0" smtClean="0"/>
-              <a:t>XHTML</a:t>
+              <a:t> JSP, SQL</a:t>
             </a:r>
           </a:p>
           <a:p>
+            <a:pPr>
+              <a:buFont typeface="Arial" pitchFamily="34" charset="0"/>
+              <a:buChar char="•"/>
+            </a:pPr>
+            <a:endParaRPr lang="it-IT" dirty="0" smtClean="0"/>
+          </a:p>
+          <a:p>
+            <a:pPr>
+              <a:buFont typeface="Arial" pitchFamily="34" charset="0"/>
+              <a:buChar char="•"/>
+            </a:pPr>
             <a:r>
               <a:rPr lang="it-IT" dirty="0" smtClean="0"/>
-              <a:t>JSP</a:t>
+              <a:t> </a:t>
             </a:r>
-          </a:p>
-          <a:p>
+            <a:r>
+              <a:rPr lang="it-IT" dirty="0" smtClean="0"/>
+              <a:t>Log &amp; Porte </a:t>
+            </a:r>
             <a:r>
               <a:rPr lang="it-IT" dirty="0" err="1" smtClean="0"/>
-              <a:t>MySql</a:t>
+              <a:t>email</a:t>
             </a:r>
             <a:endParaRPr lang="it-IT" dirty="0" smtClean="0"/>
           </a:p>
           <a:p>
-            <a:r>
-              <a:rPr lang="it-IT" dirty="0" err="1" smtClean="0"/>
-              <a:t>Android</a:t>
-            </a:r>
-            <a:r>
-              <a:rPr lang="it-IT" dirty="0" smtClean="0"/>
-              <a:t> SDK</a:t>
-            </a:r>
+            <a:pPr>
+              <a:buFont typeface="Arial" pitchFamily="34" charset="0"/>
+              <a:buChar char="•"/>
+            </a:pPr>
+            <a:endParaRPr lang="it-IT" dirty="0" smtClean="0"/>
           </a:p>
           <a:p>
-            <a:r>
-              <a:rPr lang="it-IT" dirty="0" err="1" smtClean="0"/>
-              <a:t>Tomcat</a:t>
-            </a:r>
-            <a:endParaRPr lang="it-IT" dirty="0"/>
-          </a:p>
-        </p:txBody>
-      </p:sp>
-      <p:sp>
-        <p:nvSpPr>
-          <p:cNvPr id="4" name="Segnaposto data 3"/>
-          <p:cNvSpPr>
-            <a:spLocks noGrp="1"/>
-          </p:cNvSpPr>
-          <p:nvPr>
-            <p:ph type="dt" sz="half" idx="10"/>
-          </p:nvPr>
-        </p:nvSpPr>
-        <p:spPr/>
-        <p:txBody>
-          <a:bodyPr/>
-          <a:lstStyle/>
-          <a:p>
-            <a:r>
-              <a:rPr lang="it-IT" smtClean="0"/>
-              <a:t>Progetto Gamification - Team Committed</a:t>
-            </a:r>
-            <a:endParaRPr lang="it-IT"/>
-          </a:p>
-        </p:txBody>
-      </p:sp>
-      <p:sp>
-        <p:nvSpPr>
-          <p:cNvPr id="5" name="Segnaposto numero diapositiva 4"/>
-          <p:cNvSpPr>
-            <a:spLocks noGrp="1"/>
-          </p:cNvSpPr>
-          <p:nvPr>
-            <p:ph type="sldNum" sz="quarter" idx="12"/>
-          </p:nvPr>
-        </p:nvSpPr>
-        <p:spPr/>
-        <p:txBody>
-          <a:bodyPr/>
-          <a:lstStyle/>
-          <a:p>
-            <a:fld id="{017EC607-BD11-4D4E-AC5F-155C854A0B9D}" type="slidenum">
-              <a:rPr lang="it-IT" smtClean="0"/>
-              <a:pPr/>
-              <a:t>5</a:t>
-            </a:fld>
-            <a:r>
-              <a:rPr lang="it-IT" dirty="0" smtClean="0"/>
-              <a:t> di 24</a:t>
-            </a:r>
+            <a:pPr>
+              <a:buFont typeface="Arial" pitchFamily="34" charset="0"/>
+              <a:buChar char="•"/>
+            </a:pPr>
+            <a:endParaRPr lang="it-IT" dirty="0" smtClean="0"/>
           </a:p>
         </p:txBody>
       </p:sp>
     </p:spTree>
     <p:extLst>
       <p:ext uri="{BB962C8B-B14F-4D97-AF65-F5344CB8AC3E}">
-        <p14:creationId xmlns:p14="http://schemas.microsoft.com/office/powerpoint/2010/main" val="3554633121"/>
-      </p:ext>
-    </p:extLst>
-  </p:cSld>
-  <p:clrMapOvr>
-    <a:masterClrMapping/>
-  </p:clrMapOvr>
-  <p:timing>
-    <p:tnLst>
-      <p:par>
-        <p:cTn id="1" dur="indefinite" restart="never" nodeType="tmRoot"/>
-      </p:par>
-    </p:tnLst>
-  </p:timing>
-</p:sld>
-</file>
-
-<file path=ppt/slides/slide6.xml><?xml version="1.0" encoding="utf-8"?>
-<p:sld xmlns:a="http://schemas.openxmlformats.org/drawingml/2006/main" xmlns:r="http://schemas.openxmlformats.org/officeDocument/2006/relationships" xmlns:p="http://schemas.openxmlformats.org/presentationml/2006/main">
-  <p:cSld>
-    <p:spTree>
-      <p:nvGrpSpPr>
-        <p:cNvPr id="1" name=""/>
-        <p:cNvGrpSpPr/>
-        <p:nvPr/>
-      </p:nvGrpSpPr>
-      <p:grpSpPr>
-        <a:xfrm>
-          <a:off x="0" y="0"/>
-          <a:ext cx="0" cy="0"/>
-          <a:chOff x="0" y="0"/>
-          <a:chExt cx="0" cy="0"/>
-        </a:xfrm>
-      </p:grpSpPr>
-      <p:pic>
-        <p:nvPicPr>
-          <p:cNvPr id="3" name="Immagine 2"/>
-          <p:cNvPicPr>
-            <a:picLocks noChangeAspect="1"/>
-          </p:cNvPicPr>
-          <p:nvPr/>
-        </p:nvPicPr>
-        <p:blipFill>
-          <a:blip r:embed="rId2" cstate="print">
-            <a:extLst>
-              <a:ext uri="{28A0092B-C50C-407E-A947-70E740481C1C}">
-                <a14:useLocalDpi xmlns:a14="http://schemas.microsoft.com/office/drawing/2010/main" val="0"/>
-              </a:ext>
-            </a:extLst>
-          </a:blip>
-          <a:stretch>
-            <a:fillRect/>
-          </a:stretch>
-        </p:blipFill>
-        <p:spPr>
-          <a:xfrm>
-            <a:off x="2750630" y="1268760"/>
-            <a:ext cx="3765586" cy="4581128"/>
-          </a:xfrm>
-          <a:prstGeom prst="rect">
-            <a:avLst/>
-          </a:prstGeom>
-        </p:spPr>
-      </p:pic>
-      <p:sp>
-        <p:nvSpPr>
-          <p:cNvPr id="2" name="Titolo 1"/>
-          <p:cNvSpPr>
-            <a:spLocks noGrp="1"/>
-          </p:cNvSpPr>
-          <p:nvPr>
-            <p:ph type="title"/>
-          </p:nvPr>
-        </p:nvSpPr>
-        <p:spPr>
-          <a:xfrm>
-            <a:off x="1043608" y="2996952"/>
-            <a:ext cx="7024744" cy="1143000"/>
-          </a:xfrm>
-        </p:spPr>
-        <p:txBody>
-          <a:bodyPr>
-            <a:normAutofit/>
-          </a:bodyPr>
-          <a:lstStyle/>
-          <a:p>
-            <a:pPr algn="ctr"/>
-            <a:r>
-              <a:rPr lang="it-IT" dirty="0"/>
-              <a:t>2</a:t>
-            </a:r>
-            <a:r>
-              <a:rPr lang="it-IT" dirty="0" smtClean="0"/>
-              <a:t>. Front-End Desktop</a:t>
-            </a:r>
-            <a:endParaRPr lang="it-IT" dirty="0"/>
-          </a:p>
-        </p:txBody>
-      </p:sp>
-      <p:sp>
-        <p:nvSpPr>
-          <p:cNvPr id="4" name="Segnaposto data 3"/>
-          <p:cNvSpPr>
-            <a:spLocks noGrp="1"/>
-          </p:cNvSpPr>
-          <p:nvPr>
-            <p:ph type="dt" sz="half" idx="10"/>
-          </p:nvPr>
-        </p:nvSpPr>
-        <p:spPr/>
-        <p:txBody>
-          <a:bodyPr/>
-          <a:lstStyle/>
-          <a:p>
-            <a:r>
-              <a:rPr lang="it-IT" smtClean="0"/>
-              <a:t>Progetto Gamification - Team Committed</a:t>
-            </a:r>
-            <a:endParaRPr lang="it-IT"/>
-          </a:p>
-        </p:txBody>
-      </p:sp>
-      <p:sp>
-        <p:nvSpPr>
-          <p:cNvPr id="7" name="Segnaposto numero diapositiva 6"/>
-          <p:cNvSpPr>
-            <a:spLocks noGrp="1"/>
-          </p:cNvSpPr>
-          <p:nvPr>
-            <p:ph type="sldNum" sz="quarter" idx="12"/>
-          </p:nvPr>
-        </p:nvSpPr>
-        <p:spPr/>
-        <p:txBody>
-          <a:bodyPr/>
-          <a:lstStyle/>
-          <a:p>
-            <a:fld id="{017EC607-BD11-4D4E-AC5F-155C854A0B9D}" type="slidenum">
-              <a:rPr lang="it-IT" smtClean="0"/>
-              <a:pPr/>
-              <a:t>6</a:t>
-            </a:fld>
-            <a:r>
-              <a:rPr lang="it-IT" dirty="0" smtClean="0"/>
-              <a:t> di 24</a:t>
-            </a:r>
-          </a:p>
-        </p:txBody>
-      </p:sp>
-    </p:spTree>
-    <p:extLst>
-      <p:ext uri="{BB962C8B-B14F-4D97-AF65-F5344CB8AC3E}">
-        <p14:creationId xmlns:p14="http://schemas.microsoft.com/office/powerpoint/2010/main" val="2994835323"/>
-      </p:ext>
-    </p:extLst>
-  </p:cSld>
-  <p:clrMapOvr>
-    <a:masterClrMapping/>
-  </p:clrMapOvr>
-  <p:timing>
-    <p:tnLst>
-      <p:par>
-        <p:cTn id="1" dur="indefinite" restart="never" nodeType="tmRoot"/>
-      </p:par>
-    </p:tnLst>
-  </p:timing>
-</p:sld>
-</file>
-
-<file path=ppt/slides/slide7.xml><?xml version="1.0" encoding="utf-8"?>
-<p:sld xmlns:a="http://schemas.openxmlformats.org/drawingml/2006/main" xmlns:r="http://schemas.openxmlformats.org/officeDocument/2006/relationships" xmlns:p="http://schemas.openxmlformats.org/presentationml/2006/main">
-  <p:cSld>
-    <p:spTree>
-      <p:nvGrpSpPr>
-        <p:cNvPr id="1" name=""/>
-        <p:cNvGrpSpPr/>
-        <p:nvPr/>
-      </p:nvGrpSpPr>
-      <p:grpSpPr>
-        <a:xfrm>
-          <a:off x="0" y="0"/>
-          <a:ext cx="0" cy="0"/>
-          <a:chOff x="0" y="0"/>
-          <a:chExt cx="0" cy="0"/>
-        </a:xfrm>
-      </p:grpSpPr>
-      <p:sp>
-        <p:nvSpPr>
-          <p:cNvPr id="6" name="Segnaposto data 5"/>
-          <p:cNvSpPr>
-            <a:spLocks noGrp="1"/>
-          </p:cNvSpPr>
-          <p:nvPr>
-            <p:ph type="dt" sz="half" idx="10"/>
-          </p:nvPr>
-        </p:nvSpPr>
-        <p:spPr/>
-        <p:txBody>
-          <a:bodyPr/>
-          <a:lstStyle/>
-          <a:p>
-            <a:r>
-              <a:rPr lang="it-IT" dirty="0" smtClean="0"/>
-              <a:t>Progetto </a:t>
-            </a:r>
-            <a:r>
-              <a:rPr lang="it-IT" dirty="0" err="1" smtClean="0"/>
-              <a:t>Gamification</a:t>
-            </a:r>
-            <a:r>
-              <a:rPr lang="it-IT" dirty="0" smtClean="0"/>
-              <a:t> - Team </a:t>
-            </a:r>
-            <a:r>
-              <a:rPr lang="it-IT" dirty="0" err="1" smtClean="0"/>
-              <a:t>Committed</a:t>
-            </a:r>
-            <a:endParaRPr lang="it-IT" dirty="0"/>
-          </a:p>
-        </p:txBody>
-      </p:sp>
-      <p:sp>
-        <p:nvSpPr>
-          <p:cNvPr id="9" name="Segnaposto numero diapositiva 8"/>
-          <p:cNvSpPr>
-            <a:spLocks noGrp="1"/>
-          </p:cNvSpPr>
-          <p:nvPr>
-            <p:ph type="sldNum" sz="quarter" idx="12"/>
-          </p:nvPr>
-        </p:nvSpPr>
-        <p:spPr/>
-        <p:txBody>
-          <a:bodyPr/>
-          <a:lstStyle/>
-          <a:p>
-            <a:fld id="{017EC607-BD11-4D4E-AC5F-155C854A0B9D}" type="slidenum">
-              <a:rPr lang="it-IT" smtClean="0"/>
-              <a:pPr/>
-              <a:t>7</a:t>
-            </a:fld>
-            <a:r>
-              <a:rPr lang="it-IT" dirty="0" smtClean="0"/>
-              <a:t> di 24</a:t>
-            </a:r>
-            <a:endParaRPr lang="it-IT" dirty="0"/>
-          </a:p>
-        </p:txBody>
-      </p:sp>
-      <p:pic>
-        <p:nvPicPr>
-          <p:cNvPr id="7" name="Picture 6" descr="frontEndDesktop.png"/>
-          <p:cNvPicPr>
-            <a:picLocks noChangeAspect="1"/>
-          </p:cNvPicPr>
-          <p:nvPr/>
-        </p:nvPicPr>
-        <p:blipFill>
-          <a:blip r:embed="rId2">
-            <a:extLst>
-              <a:ext uri="{28A0092B-C50C-407E-A947-70E740481C1C}">
-                <a14:useLocalDpi xmlns:a14="http://schemas.microsoft.com/office/drawing/2010/main" val="0"/>
-              </a:ext>
-            </a:extLst>
-          </a:blip>
-          <a:stretch>
-            <a:fillRect/>
-          </a:stretch>
-        </p:blipFill>
-        <p:spPr>
-          <a:xfrm>
-            <a:off x="2411760" y="692696"/>
-            <a:ext cx="4392488" cy="5494603"/>
-          </a:xfrm>
-          <a:prstGeom prst="rect">
-            <a:avLst/>
-          </a:prstGeom>
-        </p:spPr>
-      </p:pic>
-    </p:spTree>
-    <p:extLst>
-      <p:ext uri="{BB962C8B-B14F-4D97-AF65-F5344CB8AC3E}">
-        <p14:creationId xmlns:p14="http://schemas.microsoft.com/office/powerpoint/2010/main" val="4216620894"/>
-      </p:ext>
-    </p:extLst>
-  </p:cSld>
-  <p:clrMapOvr>
-    <a:masterClrMapping/>
-  </p:clrMapOvr>
-  <p:timing>
-    <p:tnLst>
-      <p:par>
-        <p:cTn id="1" dur="indefinite" restart="never" nodeType="tmRoot"/>
-      </p:par>
-    </p:tnLst>
-  </p:timing>
-</p:sld>
-</file>
-
-<file path=ppt/slides/slide8.xml><?xml version="1.0" encoding="utf-8"?>
-<p:sld xmlns:a="http://schemas.openxmlformats.org/drawingml/2006/main" xmlns:r="http://schemas.openxmlformats.org/officeDocument/2006/relationships" xmlns:p="http://schemas.openxmlformats.org/presentationml/2006/main">
-  <p:cSld>
-    <p:spTree>
-      <p:nvGrpSpPr>
-        <p:cNvPr id="1" name=""/>
-        <p:cNvGrpSpPr/>
-        <p:nvPr/>
-      </p:nvGrpSpPr>
-      <p:grpSpPr>
-        <a:xfrm>
-          <a:off x="0" y="0"/>
-          <a:ext cx="0" cy="0"/>
-          <a:chOff x="0" y="0"/>
-          <a:chExt cx="0" cy="0"/>
-        </a:xfrm>
-      </p:grpSpPr>
-      <p:pic>
-        <p:nvPicPr>
-          <p:cNvPr id="3" name="Immagine 2"/>
-          <p:cNvPicPr>
-            <a:picLocks noChangeAspect="1"/>
-          </p:cNvPicPr>
-          <p:nvPr/>
-        </p:nvPicPr>
-        <p:blipFill>
-          <a:blip r:embed="rId2" cstate="print">
-            <a:extLst>
-              <a:ext uri="{28A0092B-C50C-407E-A947-70E740481C1C}">
-                <a14:useLocalDpi xmlns:a14="http://schemas.microsoft.com/office/drawing/2010/main" val="0"/>
-              </a:ext>
-            </a:extLst>
-          </a:blip>
-          <a:stretch>
-            <a:fillRect/>
-          </a:stretch>
-        </p:blipFill>
-        <p:spPr>
-          <a:xfrm>
-            <a:off x="2750630" y="1268760"/>
-            <a:ext cx="3765586" cy="4581128"/>
-          </a:xfrm>
-          <a:prstGeom prst="rect">
-            <a:avLst/>
-          </a:prstGeom>
-        </p:spPr>
-      </p:pic>
-      <p:sp>
-        <p:nvSpPr>
-          <p:cNvPr id="2" name="Titolo 1"/>
-          <p:cNvSpPr>
-            <a:spLocks noGrp="1"/>
-          </p:cNvSpPr>
-          <p:nvPr>
-            <p:ph type="title"/>
-          </p:nvPr>
-        </p:nvSpPr>
-        <p:spPr>
-          <a:xfrm>
-            <a:off x="1043608" y="2996952"/>
-            <a:ext cx="7024744" cy="1143000"/>
-          </a:xfrm>
-        </p:spPr>
-        <p:txBody>
-          <a:bodyPr/>
-          <a:lstStyle/>
-          <a:p>
-            <a:pPr algn="ctr"/>
-            <a:r>
-              <a:rPr lang="it-IT" dirty="0"/>
-              <a:t>3</a:t>
-            </a:r>
-            <a:r>
-              <a:rPr lang="it-IT" dirty="0" smtClean="0"/>
-              <a:t>. </a:t>
-            </a:r>
-            <a:r>
-              <a:rPr lang="it-IT" dirty="0" err="1" smtClean="0"/>
-              <a:t>Front-End</a:t>
-            </a:r>
-            <a:r>
-              <a:rPr lang="it-IT" dirty="0" smtClean="0"/>
-              <a:t> web</a:t>
-            </a:r>
-            <a:endParaRPr lang="it-IT" dirty="0"/>
-          </a:p>
-        </p:txBody>
-      </p:sp>
-      <p:sp>
-        <p:nvSpPr>
-          <p:cNvPr id="4" name="Segnaposto data 3"/>
-          <p:cNvSpPr>
-            <a:spLocks noGrp="1"/>
-          </p:cNvSpPr>
-          <p:nvPr>
-            <p:ph type="dt" sz="half" idx="10"/>
-          </p:nvPr>
-        </p:nvSpPr>
-        <p:spPr/>
-        <p:txBody>
-          <a:bodyPr/>
-          <a:lstStyle/>
-          <a:p>
-            <a:r>
-              <a:rPr lang="it-IT" smtClean="0"/>
-              <a:t>Progetto Gamification - Team Committed</a:t>
-            </a:r>
-            <a:endParaRPr lang="it-IT"/>
-          </a:p>
-        </p:txBody>
-      </p:sp>
-      <p:sp>
-        <p:nvSpPr>
-          <p:cNvPr id="7" name="Segnaposto numero diapositiva 6"/>
-          <p:cNvSpPr>
-            <a:spLocks noGrp="1"/>
-          </p:cNvSpPr>
-          <p:nvPr>
-            <p:ph type="sldNum" sz="quarter" idx="12"/>
-          </p:nvPr>
-        </p:nvSpPr>
-        <p:spPr/>
-        <p:txBody>
-          <a:bodyPr/>
-          <a:lstStyle/>
-          <a:p>
-            <a:fld id="{017EC607-BD11-4D4E-AC5F-155C854A0B9D}" type="slidenum">
-              <a:rPr lang="it-IT" smtClean="0"/>
-              <a:pPr/>
-              <a:t>8</a:t>
-            </a:fld>
-            <a:r>
-              <a:rPr lang="it-IT" dirty="0" smtClean="0"/>
-              <a:t> di 24</a:t>
-            </a:r>
-          </a:p>
-        </p:txBody>
-      </p:sp>
-    </p:spTree>
-    <p:extLst>
-      <p:ext uri="{BB962C8B-B14F-4D97-AF65-F5344CB8AC3E}">
-        <p14:creationId xmlns:p14="http://schemas.microsoft.com/office/powerpoint/2010/main" val="2537002"/>
-      </p:ext>
-    </p:extLst>
-  </p:cSld>
-  <p:clrMapOvr>
-    <a:masterClrMapping/>
-  </p:clrMapOvr>
-  <p:timing>
-    <p:tnLst>
-      <p:par>
-        <p:cTn id="1" dur="indefinite" restart="never" nodeType="tmRoot"/>
-      </p:par>
-    </p:tnLst>
-  </p:timing>
-</p:sld>
-</file>
-
-<file path=ppt/slides/slide9.xml><?xml version="1.0" encoding="utf-8"?>
-<p:sld xmlns:a="http://schemas.openxmlformats.org/drawingml/2006/main" xmlns:r="http://schemas.openxmlformats.org/officeDocument/2006/relationships" xmlns:p="http://schemas.openxmlformats.org/presentationml/2006/main">
-  <p:cSld>
-    <p:spTree>
-      <p:nvGrpSpPr>
-        <p:cNvPr id="1" name=""/>
-        <p:cNvGrpSpPr/>
-        <p:nvPr/>
-      </p:nvGrpSpPr>
-      <p:grpSpPr>
-        <a:xfrm>
-          <a:off x="0" y="0"/>
-          <a:ext cx="0" cy="0"/>
-          <a:chOff x="0" y="0"/>
-          <a:chExt cx="0" cy="0"/>
-        </a:xfrm>
-      </p:grpSpPr>
-      <p:sp>
-        <p:nvSpPr>
-          <p:cNvPr id="6" name="Segnaposto data 5"/>
-          <p:cNvSpPr>
-            <a:spLocks noGrp="1"/>
-          </p:cNvSpPr>
-          <p:nvPr>
-            <p:ph type="dt" sz="half" idx="10"/>
-          </p:nvPr>
-        </p:nvSpPr>
-        <p:spPr/>
-        <p:txBody>
-          <a:bodyPr/>
-          <a:lstStyle/>
-          <a:p>
-            <a:r>
-              <a:rPr lang="it-IT" dirty="0" smtClean="0"/>
-              <a:t>Progetto </a:t>
-            </a:r>
-            <a:r>
-              <a:rPr lang="it-IT" dirty="0" err="1" smtClean="0"/>
-              <a:t>Gamification</a:t>
-            </a:r>
-            <a:r>
-              <a:rPr lang="it-IT" dirty="0" smtClean="0"/>
-              <a:t> - Team </a:t>
-            </a:r>
-            <a:r>
-              <a:rPr lang="it-IT" dirty="0" err="1" smtClean="0"/>
-              <a:t>Committed</a:t>
-            </a:r>
-            <a:endParaRPr lang="it-IT" dirty="0"/>
-          </a:p>
-        </p:txBody>
-      </p:sp>
-      <p:sp>
-        <p:nvSpPr>
-          <p:cNvPr id="9" name="Segnaposto numero diapositiva 8"/>
-          <p:cNvSpPr>
-            <a:spLocks noGrp="1"/>
-          </p:cNvSpPr>
-          <p:nvPr>
-            <p:ph type="sldNum" sz="quarter" idx="12"/>
-          </p:nvPr>
-        </p:nvSpPr>
-        <p:spPr/>
-        <p:txBody>
-          <a:bodyPr/>
-          <a:lstStyle/>
-          <a:p>
-            <a:fld id="{017EC607-BD11-4D4E-AC5F-155C854A0B9D}" type="slidenum">
-              <a:rPr lang="it-IT" smtClean="0"/>
-              <a:pPr/>
-              <a:t>9</a:t>
-            </a:fld>
-            <a:r>
-              <a:rPr lang="it-IT" dirty="0" smtClean="0"/>
-              <a:t> di 24</a:t>
-            </a:r>
-            <a:endParaRPr lang="it-IT" dirty="0"/>
-          </a:p>
-        </p:txBody>
-      </p:sp>
-      <p:pic>
-        <p:nvPicPr>
-          <p:cNvPr id="11" name="Immagine 10" descr="frontEndWeb.png"/>
-          <p:cNvPicPr>
-            <a:picLocks noChangeAspect="1"/>
-          </p:cNvPicPr>
-          <p:nvPr/>
-        </p:nvPicPr>
-        <p:blipFill>
-          <a:blip r:embed="rId2" cstate="print"/>
-          <a:stretch>
-            <a:fillRect/>
-          </a:stretch>
-        </p:blipFill>
-        <p:spPr>
-          <a:xfrm>
-            <a:off x="2051720" y="692696"/>
-            <a:ext cx="5020413" cy="5760640"/>
-          </a:xfrm>
-          <a:prstGeom prst="rect">
-            <a:avLst/>
-          </a:prstGeom>
-        </p:spPr>
-      </p:pic>
-    </p:spTree>
-    <p:extLst>
-      <p:ext uri="{BB962C8B-B14F-4D97-AF65-F5344CB8AC3E}">
-        <p14:creationId xmlns:p14="http://schemas.microsoft.com/office/powerpoint/2010/main" val="200703652"/>
+        <p14:creationId xmlns="" xmlns:p14="http://schemas.microsoft.com/office/powerpoint/2010/main" val="829312757"/>
       </p:ext>
     </p:extLst>
   </p:cSld>
